--- a/5.LINQ/LINQ.pptx
+++ b/5.LINQ/LINQ.pptx
@@ -5,34 +5,35 @@
     <p:sldMasterId id="2147483661" r:id="rId1"/>
   </p:sldMasterIdLst>
   <p:notesMasterIdLst>
-    <p:notesMasterId r:id="rId10"/>
+    <p:notesMasterId r:id="rId11"/>
   </p:notesMasterIdLst>
   <p:sldIdLst>
     <p:sldId id="256" r:id="rId2"/>
     <p:sldId id="268" r:id="rId3"/>
     <p:sldId id="269" r:id="rId4"/>
-    <p:sldId id="270" r:id="rId5"/>
-    <p:sldId id="271" r:id="rId6"/>
-    <p:sldId id="272" r:id="rId7"/>
-    <p:sldId id="273" r:id="rId8"/>
-    <p:sldId id="274" r:id="rId9"/>
+    <p:sldId id="275" r:id="rId5"/>
+    <p:sldId id="270" r:id="rId6"/>
+    <p:sldId id="271" r:id="rId7"/>
+    <p:sldId id="272" r:id="rId8"/>
+    <p:sldId id="273" r:id="rId9"/>
+    <p:sldId id="274" r:id="rId10"/>
   </p:sldIdLst>
   <p:sldSz cx="9144000" cy="6858000" type="screen4x3"/>
   <p:notesSz cx="6858000" cy="9144000"/>
   <p:embeddedFontLst>
     <p:embeddedFont>
       <p:font typeface="Calibri" panose="020F0502020204030204" pitchFamily="34" charset="0"/>
-      <p:regular r:id="rId11"/>
-      <p:bold r:id="rId12"/>
-      <p:italic r:id="rId13"/>
-      <p:boldItalic r:id="rId14"/>
+      <p:regular r:id="rId12"/>
+      <p:bold r:id="rId13"/>
+      <p:italic r:id="rId14"/>
+      <p:boldItalic r:id="rId15"/>
     </p:embeddedFont>
     <p:embeddedFont>
       <p:font typeface="Roboto" panose="020B0604020202020204" charset="0"/>
-      <p:regular r:id="rId15"/>
-      <p:bold r:id="rId16"/>
-      <p:italic r:id="rId17"/>
-      <p:boldItalic r:id="rId18"/>
+      <p:regular r:id="rId16"/>
+      <p:bold r:id="rId17"/>
+      <p:italic r:id="rId18"/>
+      <p:boldItalic r:id="rId19"/>
     </p:embeddedFont>
   </p:embeddedFontLst>
   <p:defaultTextStyle>
@@ -1973,7 +1974,113 @@
               </a:spcAft>
               <a:buNone/>
             </a:pPr>
-            <a:endParaRPr sz="1200" b="0" i="0" u="none" strike="noStrike" cap="none">
+            <a:r>
+              <a:rPr lang="ru-RU" sz="1200" b="0" i="0" u="none" strike="noStrike" cap="none" dirty="0">
+                <a:solidFill>
+                  <a:schemeClr val="dk1"/>
+                </a:solidFill>
+                <a:latin typeface="Calibri"/>
+                <a:ea typeface="Calibri"/>
+                <a:cs typeface="Calibri"/>
+                <a:sym typeface="Calibri"/>
+              </a:rPr>
+              <a:t>Переходимв код рассматриваем </a:t>
+            </a:r>
+            <a:r>
+              <a:rPr lang="en-US" sz="1200" b="0" i="0" u="none" strike="noStrike" cap="none" dirty="0" err="1">
+                <a:solidFill>
+                  <a:schemeClr val="dk1"/>
+                </a:solidFill>
+                <a:latin typeface="Calibri"/>
+                <a:ea typeface="Calibri"/>
+                <a:cs typeface="Calibri"/>
+                <a:sym typeface="Calibri"/>
+              </a:rPr>
+              <a:t>BasicSyntax</a:t>
+            </a:r>
+            <a:r>
+              <a:rPr lang="ru-RU" sz="1200" b="0" i="0" u="none" strike="noStrike" cap="none" dirty="0">
+                <a:solidFill>
+                  <a:schemeClr val="dk1"/>
+                </a:solidFill>
+                <a:latin typeface="Calibri"/>
+                <a:ea typeface="Calibri"/>
+                <a:cs typeface="Calibri"/>
+                <a:sym typeface="Calibri"/>
+              </a:rPr>
+              <a:t> пример.</a:t>
+            </a:r>
+            <a:br>
+              <a:rPr lang="ru-RU" sz="1200" b="0" i="0" u="none" strike="noStrike" cap="none" dirty="0">
+                <a:solidFill>
+                  <a:schemeClr val="dk1"/>
+                </a:solidFill>
+                <a:latin typeface="Calibri"/>
+                <a:ea typeface="Calibri"/>
+                <a:cs typeface="Calibri"/>
+                <a:sym typeface="Calibri"/>
+              </a:rPr>
+            </a:br>
+            <a:r>
+              <a:rPr lang="ru-RU" sz="1200" b="0" i="0" u="none" strike="noStrike" cap="none" dirty="0">
+                <a:solidFill>
+                  <a:schemeClr val="dk1"/>
+                </a:solidFill>
+                <a:latin typeface="Calibri"/>
+                <a:ea typeface="Calibri"/>
+                <a:cs typeface="Calibri"/>
+                <a:sym typeface="Calibri"/>
+              </a:rPr>
+              <a:t>Расматриваем отбор персонажей по возрасту и полу.</a:t>
+            </a:r>
+          </a:p>
+          <a:p>
+            <a:pPr marL="0" marR="0" lvl="0" indent="0" algn="l" rtl="0">
+              <a:spcBef>
+                <a:spcPts val="0"/>
+              </a:spcBef>
+              <a:spcAft>
+                <a:spcPts val="0"/>
+              </a:spcAft>
+              <a:buNone/>
+            </a:pPr>
+            <a:r>
+              <a:rPr lang="ru-RU" sz="1200" b="0" i="0" u="none" strike="noStrike" cap="none" dirty="0">
+                <a:solidFill>
+                  <a:schemeClr val="dk1"/>
+                </a:solidFill>
+                <a:latin typeface="Calibri"/>
+                <a:ea typeface="Calibri"/>
+                <a:cs typeface="Calibri"/>
+                <a:sym typeface="Calibri"/>
+              </a:rPr>
+              <a:t>Самостоятельно сделать запрос </a:t>
+            </a:r>
+            <a:r>
+              <a:rPr lang="en-US" sz="1200" b="0" i="0" u="none" strike="noStrike" cap="none" dirty="0" err="1">
+                <a:solidFill>
+                  <a:schemeClr val="dk1"/>
+                </a:solidFill>
+                <a:latin typeface="Calibri"/>
+                <a:ea typeface="Calibri"/>
+                <a:cs typeface="Calibri"/>
+                <a:sym typeface="Calibri"/>
+              </a:rPr>
+              <a:t>Linq</a:t>
+            </a:r>
+            <a:r>
+              <a:rPr lang="ru-RU" sz="1200" b="0" i="0" u="none" strike="noStrike" cap="none" dirty="0">
+                <a:solidFill>
+                  <a:schemeClr val="dk1"/>
+                </a:solidFill>
+                <a:latin typeface="Calibri"/>
+                <a:ea typeface="Calibri"/>
+                <a:cs typeface="Calibri"/>
+                <a:sym typeface="Calibri"/>
+              </a:rPr>
+              <a:t> для отбора персонажей длинна имени которых равна длинне фамилии.</a:t>
+            </a:r>
+            <a:endParaRPr sz="1200" b="0" i="0" u="none" strike="noStrike" cap="none" dirty="0">
               <a:solidFill>
                 <a:schemeClr val="dk1"/>
               </a:solidFill>
@@ -2050,6 +2157,199 @@
     </p:spTree>
     <p:extLst>
       <p:ext uri="{BB962C8B-B14F-4D97-AF65-F5344CB8AC3E}">
+        <p14:creationId xmlns:p14="http://schemas.microsoft.com/office/powerpoint/2010/main" val="247146716"/>
+      </p:ext>
+    </p:extLst>
+  </p:cSld>
+  <p:clrMapOvr>
+    <a:masterClrMapping/>
+  </p:clrMapOvr>
+</p:notes>
+</file>
+
+<file path=ppt/notesSlides/notesSlide5.xml><?xml version="1.0" encoding="utf-8"?>
+<p:notes xmlns:a="http://schemas.openxmlformats.org/drawingml/2006/main" xmlns:r="http://schemas.openxmlformats.org/officeDocument/2006/relationships" xmlns:p="http://schemas.openxmlformats.org/presentationml/2006/main" showMasterSp="0" showMasterPhAnim="0">
+  <p:cSld>
+    <p:spTree>
+      <p:nvGrpSpPr>
+        <p:cNvPr id="1" name="Shape 260"/>
+        <p:cNvGrpSpPr/>
+        <p:nvPr/>
+      </p:nvGrpSpPr>
+      <p:grpSpPr>
+        <a:xfrm>
+          <a:off x="0" y="0"/>
+          <a:ext cx="0" cy="0"/>
+          <a:chOff x="0" y="0"/>
+          <a:chExt cx="0" cy="0"/>
+        </a:xfrm>
+      </p:grpSpPr>
+      <p:sp>
+        <p:nvSpPr>
+          <p:cNvPr id="261" name="Shape 261"/>
+          <p:cNvSpPr>
+            <a:spLocks noGrp="1" noRot="1" noChangeAspect="1"/>
+          </p:cNvSpPr>
+          <p:nvPr>
+            <p:ph type="sldImg" idx="2"/>
+          </p:nvPr>
+        </p:nvSpPr>
+        <p:spPr>
+          <a:xfrm>
+            <a:off x="1143000" y="685800"/>
+            <a:ext cx="4572000" cy="3429000"/>
+          </a:xfrm>
+          <a:custGeom>
+            <a:avLst/>
+            <a:gdLst/>
+            <a:ahLst/>
+            <a:cxnLst/>
+            <a:rect l="0" t="0" r="0" b="0"/>
+            <a:pathLst>
+              <a:path w="120000" h="120000" extrusionOk="0">
+                <a:moveTo>
+                  <a:pt x="0" y="0"/>
+                </a:moveTo>
+                <a:lnTo>
+                  <a:pt x="120000" y="0"/>
+                </a:lnTo>
+                <a:lnTo>
+                  <a:pt x="120000" y="120000"/>
+                </a:lnTo>
+                <a:lnTo>
+                  <a:pt x="0" y="120000"/>
+                </a:lnTo>
+                <a:close/>
+              </a:path>
+            </a:pathLst>
+          </a:custGeom>
+          <a:noFill/>
+          <a:ln w="9525" cap="flat" cmpd="sng">
+            <a:solidFill>
+              <a:srgbClr val="000000"/>
+            </a:solidFill>
+            <a:prstDash val="solid"/>
+            <a:miter lim="800000"/>
+            <a:headEnd type="none" w="med" len="med"/>
+            <a:tailEnd type="none" w="med" len="med"/>
+          </a:ln>
+        </p:spPr>
+      </p:sp>
+      <p:sp>
+        <p:nvSpPr>
+          <p:cNvPr id="262" name="Shape 262"/>
+          <p:cNvSpPr txBox="1">
+            <a:spLocks noGrp="1"/>
+          </p:cNvSpPr>
+          <p:nvPr>
+            <p:ph type="body" idx="1"/>
+          </p:nvPr>
+        </p:nvSpPr>
+        <p:spPr>
+          <a:xfrm>
+            <a:off x="685800" y="4343400"/>
+            <a:ext cx="5486400" cy="4114800"/>
+          </a:xfrm>
+          <a:prstGeom prst="rect">
+            <a:avLst/>
+          </a:prstGeom>
+          <a:noFill/>
+          <a:ln>
+            <a:noFill/>
+          </a:ln>
+        </p:spPr>
+        <p:txBody>
+          <a:bodyPr spcFirstLastPara="1" wrap="square" lIns="91425" tIns="45700" rIns="91425" bIns="45700" anchor="t" anchorCtr="0">
+            <a:noAutofit/>
+          </a:bodyPr>
+          <a:lstStyle/>
+          <a:p>
+            <a:pPr marL="0" marR="0" lvl="0" indent="0" algn="l" rtl="0">
+              <a:spcBef>
+                <a:spcPts val="0"/>
+              </a:spcBef>
+              <a:spcAft>
+                <a:spcPts val="0"/>
+              </a:spcAft>
+              <a:buNone/>
+            </a:pPr>
+            <a:endParaRPr sz="1200" b="0" i="0" u="none" strike="noStrike" cap="none">
+              <a:solidFill>
+                <a:schemeClr val="dk1"/>
+              </a:solidFill>
+              <a:latin typeface="Calibri"/>
+              <a:ea typeface="Calibri"/>
+              <a:cs typeface="Calibri"/>
+              <a:sym typeface="Calibri"/>
+            </a:endParaRPr>
+          </a:p>
+        </p:txBody>
+      </p:sp>
+      <p:sp>
+        <p:nvSpPr>
+          <p:cNvPr id="263" name="Shape 263"/>
+          <p:cNvSpPr txBox="1">
+            <a:spLocks noGrp="1"/>
+          </p:cNvSpPr>
+          <p:nvPr>
+            <p:ph type="sldNum" idx="12"/>
+          </p:nvPr>
+        </p:nvSpPr>
+        <p:spPr>
+          <a:xfrm>
+            <a:off x="3884613" y="8685213"/>
+            <a:ext cx="2971800" cy="457200"/>
+          </a:xfrm>
+          <a:prstGeom prst="rect">
+            <a:avLst/>
+          </a:prstGeom>
+          <a:noFill/>
+          <a:ln>
+            <a:noFill/>
+          </a:ln>
+        </p:spPr>
+        <p:txBody>
+          <a:bodyPr spcFirstLastPara="1" wrap="square" lIns="91425" tIns="45700" rIns="91425" bIns="45700" anchor="b" anchorCtr="0">
+            <a:noAutofit/>
+          </a:bodyPr>
+          <a:lstStyle/>
+          <a:p>
+            <a:pPr marL="0" marR="0" lvl="0" indent="0" algn="r" rtl="0">
+              <a:spcBef>
+                <a:spcPts val="0"/>
+              </a:spcBef>
+              <a:spcAft>
+                <a:spcPts val="0"/>
+              </a:spcAft>
+              <a:buNone/>
+            </a:pPr>
+            <a:fld id="{00000000-1234-1234-1234-123412341234}" type="slidenum">
+              <a:rPr lang="en-US" sz="1200" b="0" i="0" u="none" strike="noStrike" cap="none">
+                <a:solidFill>
+                  <a:schemeClr val="dk1"/>
+                </a:solidFill>
+                <a:latin typeface="Calibri"/>
+                <a:ea typeface="Calibri"/>
+                <a:cs typeface="Calibri"/>
+                <a:sym typeface="Calibri"/>
+              </a:rPr>
+              <a:t>5</a:t>
+            </a:fld>
+            <a:endParaRPr sz="1200" b="0" i="0" u="none" strike="noStrike" cap="none">
+              <a:solidFill>
+                <a:schemeClr val="dk1"/>
+              </a:solidFill>
+              <a:latin typeface="Calibri"/>
+              <a:ea typeface="Calibri"/>
+              <a:cs typeface="Calibri"/>
+              <a:sym typeface="Calibri"/>
+            </a:endParaRPr>
+          </a:p>
+        </p:txBody>
+      </p:sp>
+    </p:spTree>
+    <p:extLst>
+      <p:ext uri="{BB962C8B-B14F-4D97-AF65-F5344CB8AC3E}">
         <p14:creationId xmlns:p14="http://schemas.microsoft.com/office/powerpoint/2010/main" val="2044522896"/>
       </p:ext>
     </p:extLst>
@@ -2060,7 +2360,7 @@
 </p:notes>
 </file>
 
-<file path=ppt/notesSlides/notesSlide5.xml><?xml version="1.0" encoding="utf-8"?>
+<file path=ppt/notesSlides/notesSlide6.xml><?xml version="1.0" encoding="utf-8"?>
 <p:notes xmlns:a="http://schemas.openxmlformats.org/drawingml/2006/main" xmlns:r="http://schemas.openxmlformats.org/officeDocument/2006/relationships" xmlns:p="http://schemas.openxmlformats.org/presentationml/2006/main" showMasterSp="0" showMasterPhAnim="0">
   <p:cSld>
     <p:spTree>
@@ -2226,7 +2526,7 @@
                 <a:cs typeface="Calibri"/>
                 <a:sym typeface="Calibri"/>
               </a:rPr>
-              <a:t>5</a:t>
+              <a:t>6</a:t>
             </a:fld>
             <a:endParaRPr sz="1200" b="0" i="0" u="none" strike="noStrike" cap="none">
               <a:solidFill>
@@ -2244,199 +2544,6 @@
     <p:extLst>
       <p:ext uri="{BB962C8B-B14F-4D97-AF65-F5344CB8AC3E}">
         <p14:creationId xmlns:p14="http://schemas.microsoft.com/office/powerpoint/2010/main" val="853422329"/>
-      </p:ext>
-    </p:extLst>
-  </p:cSld>
-  <p:clrMapOvr>
-    <a:masterClrMapping/>
-  </p:clrMapOvr>
-</p:notes>
-</file>
-
-<file path=ppt/notesSlides/notesSlide6.xml><?xml version="1.0" encoding="utf-8"?>
-<p:notes xmlns:a="http://schemas.openxmlformats.org/drawingml/2006/main" xmlns:r="http://schemas.openxmlformats.org/officeDocument/2006/relationships" xmlns:p="http://schemas.openxmlformats.org/presentationml/2006/main" showMasterSp="0" showMasterPhAnim="0">
-  <p:cSld>
-    <p:spTree>
-      <p:nvGrpSpPr>
-        <p:cNvPr id="1" name="Shape 152"/>
-        <p:cNvGrpSpPr/>
-        <p:nvPr/>
-      </p:nvGrpSpPr>
-      <p:grpSpPr>
-        <a:xfrm>
-          <a:off x="0" y="0"/>
-          <a:ext cx="0" cy="0"/>
-          <a:chOff x="0" y="0"/>
-          <a:chExt cx="0" cy="0"/>
-        </a:xfrm>
-      </p:grpSpPr>
-      <p:sp>
-        <p:nvSpPr>
-          <p:cNvPr id="153" name="Shape 153"/>
-          <p:cNvSpPr>
-            <a:spLocks noGrp="1" noRot="1" noChangeAspect="1"/>
-          </p:cNvSpPr>
-          <p:nvPr>
-            <p:ph type="sldImg" idx="2"/>
-          </p:nvPr>
-        </p:nvSpPr>
-        <p:spPr>
-          <a:xfrm>
-            <a:off x="1143000" y="685800"/>
-            <a:ext cx="4572000" cy="3429000"/>
-          </a:xfrm>
-          <a:custGeom>
-            <a:avLst/>
-            <a:gdLst/>
-            <a:ahLst/>
-            <a:cxnLst/>
-            <a:rect l="0" t="0" r="0" b="0"/>
-            <a:pathLst>
-              <a:path w="120000" h="120000" extrusionOk="0">
-                <a:moveTo>
-                  <a:pt x="0" y="0"/>
-                </a:moveTo>
-                <a:lnTo>
-                  <a:pt x="120000" y="0"/>
-                </a:lnTo>
-                <a:lnTo>
-                  <a:pt x="120000" y="120000"/>
-                </a:lnTo>
-                <a:lnTo>
-                  <a:pt x="0" y="120000"/>
-                </a:lnTo>
-                <a:close/>
-              </a:path>
-            </a:pathLst>
-          </a:custGeom>
-          <a:noFill/>
-          <a:ln w="9525" cap="flat" cmpd="sng">
-            <a:solidFill>
-              <a:srgbClr val="000000"/>
-            </a:solidFill>
-            <a:prstDash val="solid"/>
-            <a:miter lim="800000"/>
-            <a:headEnd type="none" w="med" len="med"/>
-            <a:tailEnd type="none" w="med" len="med"/>
-          </a:ln>
-        </p:spPr>
-      </p:sp>
-      <p:sp>
-        <p:nvSpPr>
-          <p:cNvPr id="154" name="Shape 154"/>
-          <p:cNvSpPr txBox="1">
-            <a:spLocks noGrp="1"/>
-          </p:cNvSpPr>
-          <p:nvPr>
-            <p:ph type="body" idx="1"/>
-          </p:nvPr>
-        </p:nvSpPr>
-        <p:spPr>
-          <a:xfrm>
-            <a:off x="685800" y="4343400"/>
-            <a:ext cx="5486400" cy="4114800"/>
-          </a:xfrm>
-          <a:prstGeom prst="rect">
-            <a:avLst/>
-          </a:prstGeom>
-          <a:noFill/>
-          <a:ln>
-            <a:noFill/>
-          </a:ln>
-        </p:spPr>
-        <p:txBody>
-          <a:bodyPr spcFirstLastPara="1" wrap="square" lIns="91425" tIns="45700" rIns="91425" bIns="45700" anchor="t" anchorCtr="0">
-            <a:noAutofit/>
-          </a:bodyPr>
-          <a:lstStyle/>
-          <a:p>
-            <a:pPr marL="0" marR="0" lvl="0" indent="0" algn="l" rtl="0">
-              <a:spcBef>
-                <a:spcPts val="0"/>
-              </a:spcBef>
-              <a:spcAft>
-                <a:spcPts val="0"/>
-              </a:spcAft>
-              <a:buNone/>
-            </a:pPr>
-            <a:endParaRPr sz="1200" b="0" i="0" u="none" strike="noStrike" cap="none">
-              <a:solidFill>
-                <a:schemeClr val="dk1"/>
-              </a:solidFill>
-              <a:latin typeface="Calibri"/>
-              <a:ea typeface="Calibri"/>
-              <a:cs typeface="Calibri"/>
-              <a:sym typeface="Calibri"/>
-            </a:endParaRPr>
-          </a:p>
-        </p:txBody>
-      </p:sp>
-      <p:sp>
-        <p:nvSpPr>
-          <p:cNvPr id="155" name="Shape 155"/>
-          <p:cNvSpPr txBox="1">
-            <a:spLocks noGrp="1"/>
-          </p:cNvSpPr>
-          <p:nvPr>
-            <p:ph type="sldNum" idx="12"/>
-          </p:nvPr>
-        </p:nvSpPr>
-        <p:spPr>
-          <a:xfrm>
-            <a:off x="3884613" y="8685213"/>
-            <a:ext cx="2971800" cy="457200"/>
-          </a:xfrm>
-          <a:prstGeom prst="rect">
-            <a:avLst/>
-          </a:prstGeom>
-          <a:noFill/>
-          <a:ln>
-            <a:noFill/>
-          </a:ln>
-        </p:spPr>
-        <p:txBody>
-          <a:bodyPr spcFirstLastPara="1" wrap="square" lIns="91425" tIns="45700" rIns="91425" bIns="45700" anchor="b" anchorCtr="0">
-            <a:noAutofit/>
-          </a:bodyPr>
-          <a:lstStyle/>
-          <a:p>
-            <a:pPr marL="0" marR="0" lvl="0" indent="0" algn="r" rtl="0">
-              <a:spcBef>
-                <a:spcPts val="0"/>
-              </a:spcBef>
-              <a:spcAft>
-                <a:spcPts val="0"/>
-              </a:spcAft>
-              <a:buNone/>
-            </a:pPr>
-            <a:fld id="{00000000-1234-1234-1234-123412341234}" type="slidenum">
-              <a:rPr lang="en-US" sz="1200" b="0" i="0" u="none" strike="noStrike" cap="none">
-                <a:solidFill>
-                  <a:schemeClr val="dk1"/>
-                </a:solidFill>
-                <a:latin typeface="Calibri"/>
-                <a:ea typeface="Calibri"/>
-                <a:cs typeface="Calibri"/>
-                <a:sym typeface="Calibri"/>
-              </a:rPr>
-              <a:t>6</a:t>
-            </a:fld>
-            <a:endParaRPr sz="1200" b="0" i="0" u="none" strike="noStrike" cap="none">
-              <a:solidFill>
-                <a:schemeClr val="dk1"/>
-              </a:solidFill>
-              <a:latin typeface="Calibri"/>
-              <a:ea typeface="Calibri"/>
-              <a:cs typeface="Calibri"/>
-              <a:sym typeface="Calibri"/>
-            </a:endParaRPr>
-          </a:p>
-        </p:txBody>
-      </p:sp>
-    </p:spTree>
-    <p:extLst>
-      <p:ext uri="{BB962C8B-B14F-4D97-AF65-F5344CB8AC3E}">
-        <p14:creationId xmlns:p14="http://schemas.microsoft.com/office/powerpoint/2010/main" val="3125890107"/>
       </p:ext>
     </p:extLst>
   </p:cSld>
@@ -2629,7 +2736,7 @@
     </p:spTree>
     <p:extLst>
       <p:ext uri="{BB962C8B-B14F-4D97-AF65-F5344CB8AC3E}">
-        <p14:creationId xmlns:p14="http://schemas.microsoft.com/office/powerpoint/2010/main" val="1668065424"/>
+        <p14:creationId xmlns:p14="http://schemas.microsoft.com/office/powerpoint/2010/main" val="3125890107"/>
       </p:ext>
     </p:extLst>
   </p:cSld>
@@ -2806,6 +2913,199 @@
                 <a:sym typeface="Calibri"/>
               </a:rPr>
               <a:t>8</a:t>
+            </a:fld>
+            <a:endParaRPr sz="1200" b="0" i="0" u="none" strike="noStrike" cap="none">
+              <a:solidFill>
+                <a:schemeClr val="dk1"/>
+              </a:solidFill>
+              <a:latin typeface="Calibri"/>
+              <a:ea typeface="Calibri"/>
+              <a:cs typeface="Calibri"/>
+              <a:sym typeface="Calibri"/>
+            </a:endParaRPr>
+          </a:p>
+        </p:txBody>
+      </p:sp>
+    </p:spTree>
+    <p:extLst>
+      <p:ext uri="{BB962C8B-B14F-4D97-AF65-F5344CB8AC3E}">
+        <p14:creationId xmlns:p14="http://schemas.microsoft.com/office/powerpoint/2010/main" val="1668065424"/>
+      </p:ext>
+    </p:extLst>
+  </p:cSld>
+  <p:clrMapOvr>
+    <a:masterClrMapping/>
+  </p:clrMapOvr>
+</p:notes>
+</file>
+
+<file path=ppt/notesSlides/notesSlide9.xml><?xml version="1.0" encoding="utf-8"?>
+<p:notes xmlns:a="http://schemas.openxmlformats.org/drawingml/2006/main" xmlns:r="http://schemas.openxmlformats.org/officeDocument/2006/relationships" xmlns:p="http://schemas.openxmlformats.org/presentationml/2006/main" showMasterSp="0" showMasterPhAnim="0">
+  <p:cSld>
+    <p:spTree>
+      <p:nvGrpSpPr>
+        <p:cNvPr id="1" name="Shape 152"/>
+        <p:cNvGrpSpPr/>
+        <p:nvPr/>
+      </p:nvGrpSpPr>
+      <p:grpSpPr>
+        <a:xfrm>
+          <a:off x="0" y="0"/>
+          <a:ext cx="0" cy="0"/>
+          <a:chOff x="0" y="0"/>
+          <a:chExt cx="0" cy="0"/>
+        </a:xfrm>
+      </p:grpSpPr>
+      <p:sp>
+        <p:nvSpPr>
+          <p:cNvPr id="153" name="Shape 153"/>
+          <p:cNvSpPr>
+            <a:spLocks noGrp="1" noRot="1" noChangeAspect="1"/>
+          </p:cNvSpPr>
+          <p:nvPr>
+            <p:ph type="sldImg" idx="2"/>
+          </p:nvPr>
+        </p:nvSpPr>
+        <p:spPr>
+          <a:xfrm>
+            <a:off x="1143000" y="685800"/>
+            <a:ext cx="4572000" cy="3429000"/>
+          </a:xfrm>
+          <a:custGeom>
+            <a:avLst/>
+            <a:gdLst/>
+            <a:ahLst/>
+            <a:cxnLst/>
+            <a:rect l="0" t="0" r="0" b="0"/>
+            <a:pathLst>
+              <a:path w="120000" h="120000" extrusionOk="0">
+                <a:moveTo>
+                  <a:pt x="0" y="0"/>
+                </a:moveTo>
+                <a:lnTo>
+                  <a:pt x="120000" y="0"/>
+                </a:lnTo>
+                <a:lnTo>
+                  <a:pt x="120000" y="120000"/>
+                </a:lnTo>
+                <a:lnTo>
+                  <a:pt x="0" y="120000"/>
+                </a:lnTo>
+                <a:close/>
+              </a:path>
+            </a:pathLst>
+          </a:custGeom>
+          <a:noFill/>
+          <a:ln w="9525" cap="flat" cmpd="sng">
+            <a:solidFill>
+              <a:srgbClr val="000000"/>
+            </a:solidFill>
+            <a:prstDash val="solid"/>
+            <a:miter lim="800000"/>
+            <a:headEnd type="none" w="med" len="med"/>
+            <a:tailEnd type="none" w="med" len="med"/>
+          </a:ln>
+        </p:spPr>
+      </p:sp>
+      <p:sp>
+        <p:nvSpPr>
+          <p:cNvPr id="154" name="Shape 154"/>
+          <p:cNvSpPr txBox="1">
+            <a:spLocks noGrp="1"/>
+          </p:cNvSpPr>
+          <p:nvPr>
+            <p:ph type="body" idx="1"/>
+          </p:nvPr>
+        </p:nvSpPr>
+        <p:spPr>
+          <a:xfrm>
+            <a:off x="685800" y="4343400"/>
+            <a:ext cx="5486400" cy="4114800"/>
+          </a:xfrm>
+          <a:prstGeom prst="rect">
+            <a:avLst/>
+          </a:prstGeom>
+          <a:noFill/>
+          <a:ln>
+            <a:noFill/>
+          </a:ln>
+        </p:spPr>
+        <p:txBody>
+          <a:bodyPr spcFirstLastPara="1" wrap="square" lIns="91425" tIns="45700" rIns="91425" bIns="45700" anchor="t" anchorCtr="0">
+            <a:noAutofit/>
+          </a:bodyPr>
+          <a:lstStyle/>
+          <a:p>
+            <a:pPr marL="0" marR="0" lvl="0" indent="0" algn="l" rtl="0">
+              <a:spcBef>
+                <a:spcPts val="0"/>
+              </a:spcBef>
+              <a:spcAft>
+                <a:spcPts val="0"/>
+              </a:spcAft>
+              <a:buNone/>
+            </a:pPr>
+            <a:endParaRPr sz="1200" b="0" i="0" u="none" strike="noStrike" cap="none">
+              <a:solidFill>
+                <a:schemeClr val="dk1"/>
+              </a:solidFill>
+              <a:latin typeface="Calibri"/>
+              <a:ea typeface="Calibri"/>
+              <a:cs typeface="Calibri"/>
+              <a:sym typeface="Calibri"/>
+            </a:endParaRPr>
+          </a:p>
+        </p:txBody>
+      </p:sp>
+      <p:sp>
+        <p:nvSpPr>
+          <p:cNvPr id="155" name="Shape 155"/>
+          <p:cNvSpPr txBox="1">
+            <a:spLocks noGrp="1"/>
+          </p:cNvSpPr>
+          <p:nvPr>
+            <p:ph type="sldNum" idx="12"/>
+          </p:nvPr>
+        </p:nvSpPr>
+        <p:spPr>
+          <a:xfrm>
+            <a:off x="3884613" y="8685213"/>
+            <a:ext cx="2971800" cy="457200"/>
+          </a:xfrm>
+          <a:prstGeom prst="rect">
+            <a:avLst/>
+          </a:prstGeom>
+          <a:noFill/>
+          <a:ln>
+            <a:noFill/>
+          </a:ln>
+        </p:spPr>
+        <p:txBody>
+          <a:bodyPr spcFirstLastPara="1" wrap="square" lIns="91425" tIns="45700" rIns="91425" bIns="45700" anchor="b" anchorCtr="0">
+            <a:noAutofit/>
+          </a:bodyPr>
+          <a:lstStyle/>
+          <a:p>
+            <a:pPr marL="0" marR="0" lvl="0" indent="0" algn="r" rtl="0">
+              <a:spcBef>
+                <a:spcPts val="0"/>
+              </a:spcBef>
+              <a:spcAft>
+                <a:spcPts val="0"/>
+              </a:spcAft>
+              <a:buNone/>
+            </a:pPr>
+            <a:fld id="{00000000-1234-1234-1234-123412341234}" type="slidenum">
+              <a:rPr lang="en-US" sz="1200" b="0" i="0" u="none" strike="noStrike" cap="none">
+                <a:solidFill>
+                  <a:schemeClr val="dk1"/>
+                </a:solidFill>
+                <a:latin typeface="Calibri"/>
+                <a:ea typeface="Calibri"/>
+                <a:cs typeface="Calibri"/>
+                <a:sym typeface="Calibri"/>
+              </a:rPr>
+              <a:t>9</a:t>
             </a:fld>
             <a:endParaRPr sz="1200" b="0" i="0" u="none" strike="noStrike" cap="none">
               <a:solidFill>
@@ -19356,6 +19656,329 @@
           <a:chExt cx="0" cy="0"/>
         </a:xfrm>
       </p:grpSpPr>
+      <p:pic>
+        <p:nvPicPr>
+          <p:cNvPr id="271" name="Shape 271"/>
+          <p:cNvPicPr preferRelativeResize="0"/>
+          <p:nvPr/>
+        </p:nvPicPr>
+        <p:blipFill>
+          <a:blip r:embed="rId3">
+            <a:alphaModFix/>
+          </a:blip>
+          <a:stretch>
+            <a:fillRect/>
+          </a:stretch>
+        </p:blipFill>
+        <p:spPr>
+          <a:xfrm>
+            <a:off x="353700" y="302000"/>
+            <a:ext cx="1741800" cy="502875"/>
+          </a:xfrm>
+          <a:prstGeom prst="rect">
+            <a:avLst/>
+          </a:prstGeom>
+          <a:noFill/>
+          <a:ln>
+            <a:noFill/>
+          </a:ln>
+        </p:spPr>
+      </p:pic>
+      <p:sp>
+        <p:nvSpPr>
+          <p:cNvPr id="272" name="Shape 272"/>
+          <p:cNvSpPr/>
+          <p:nvPr/>
+        </p:nvSpPr>
+        <p:spPr>
+          <a:xfrm>
+            <a:off x="7145316" y="408237"/>
+            <a:ext cx="1856100" cy="290400"/>
+          </a:xfrm>
+          <a:prstGeom prst="roundRect">
+            <a:avLst>
+              <a:gd name="adj" fmla="val 0"/>
+            </a:avLst>
+          </a:prstGeom>
+          <a:noFill/>
+          <a:ln>
+            <a:noFill/>
+          </a:ln>
+        </p:spPr>
+        <p:txBody>
+          <a:bodyPr spcFirstLastPara="1" wrap="square" lIns="91425" tIns="45700" rIns="91425" bIns="45700" anchor="ctr" anchorCtr="0">
+            <a:noAutofit/>
+          </a:bodyPr>
+          <a:lstStyle/>
+          <a:p>
+            <a:pPr marL="0" marR="0" lvl="0" indent="0" algn="ctr" rtl="0">
+              <a:spcBef>
+                <a:spcPts val="0"/>
+              </a:spcBef>
+              <a:spcAft>
+                <a:spcPts val="0"/>
+              </a:spcAft>
+              <a:buClr>
+                <a:schemeClr val="lt1"/>
+              </a:buClr>
+              <a:buSzPts val="1200"/>
+              <a:buFont typeface="Arial"/>
+              <a:buNone/>
+            </a:pPr>
+            <a:r>
+              <a:rPr lang="en-US" sz="1500" b="1" i="0" strike="noStrike" cap="none">
+                <a:solidFill>
+                  <a:srgbClr val="262626"/>
+                </a:solidFill>
+                <a:latin typeface="Roboto"/>
+                <a:ea typeface="Roboto"/>
+                <a:cs typeface="Roboto"/>
+                <a:sym typeface="Roboto"/>
+              </a:rPr>
+              <a:t>www.itea.ua</a:t>
+            </a:r>
+            <a:endParaRPr sz="1500" b="1" i="0" strike="noStrike" cap="none">
+              <a:solidFill>
+                <a:srgbClr val="262626"/>
+              </a:solidFill>
+              <a:latin typeface="Roboto"/>
+              <a:ea typeface="Roboto"/>
+              <a:cs typeface="Roboto"/>
+              <a:sym typeface="Roboto"/>
+            </a:endParaRPr>
+          </a:p>
+        </p:txBody>
+      </p:sp>
+      <p:sp>
+        <p:nvSpPr>
+          <p:cNvPr id="282" name="Shape 282"/>
+          <p:cNvSpPr txBox="1">
+            <a:spLocks noGrp="1"/>
+          </p:cNvSpPr>
+          <p:nvPr>
+            <p:ph type="title"/>
+          </p:nvPr>
+        </p:nvSpPr>
+        <p:spPr>
+          <a:xfrm>
+            <a:off x="419900" y="1289063"/>
+            <a:ext cx="8190600" cy="1143000"/>
+          </a:xfrm>
+          <a:prstGeom prst="rect">
+            <a:avLst/>
+          </a:prstGeom>
+          <a:noFill/>
+          <a:ln>
+            <a:noFill/>
+          </a:ln>
+        </p:spPr>
+        <p:txBody>
+          <a:bodyPr spcFirstLastPara="1" wrap="square" lIns="91425" tIns="45700" rIns="91425" bIns="45700" anchor="ctr" anchorCtr="0">
+            <a:noAutofit/>
+          </a:bodyPr>
+          <a:lstStyle/>
+          <a:p>
+            <a:pPr lvl="0" algn="l"/>
+            <a:r>
+              <a:rPr lang="uk-UA" sz="4100" b="1" i="0" u="none" strike="noStrike" cap="none" dirty="0">
+                <a:solidFill>
+                  <a:schemeClr val="dk1"/>
+                </a:solidFill>
+                <a:latin typeface="Roboto" panose="020B0604020202020204" charset="0"/>
+                <a:ea typeface="Roboto" panose="020B0604020202020204" charset="0"/>
+                <a:cs typeface="Roboto"/>
+                <a:sym typeface="Roboto"/>
+              </a:rPr>
+              <a:t>Синтаксис </a:t>
+            </a:r>
+            <a:r>
+              <a:rPr lang="en-US" sz="4100" b="1" i="0" u="none" strike="noStrike" cap="none" dirty="0">
+                <a:solidFill>
+                  <a:schemeClr val="dk1"/>
+                </a:solidFill>
+                <a:latin typeface="Roboto" panose="020B0604020202020204" charset="0"/>
+                <a:ea typeface="Roboto" panose="020B0604020202020204" charset="0"/>
+                <a:cs typeface="Roboto"/>
+                <a:sym typeface="Roboto"/>
+              </a:rPr>
+              <a:t>LINQ</a:t>
+            </a:r>
+            <a:endParaRPr sz="4100" b="1" i="0" u="none" strike="noStrike" cap="none" dirty="0">
+              <a:solidFill>
+                <a:schemeClr val="dk1"/>
+              </a:solidFill>
+              <a:latin typeface="Roboto" panose="020B0604020202020204" charset="0"/>
+              <a:ea typeface="Roboto" panose="020B0604020202020204" charset="0"/>
+              <a:cs typeface="Roboto"/>
+              <a:sym typeface="Roboto"/>
+            </a:endParaRPr>
+          </a:p>
+        </p:txBody>
+      </p:sp>
+      <p:sp>
+        <p:nvSpPr>
+          <p:cNvPr id="283" name="Shape 283"/>
+          <p:cNvSpPr/>
+          <p:nvPr/>
+        </p:nvSpPr>
+        <p:spPr>
+          <a:xfrm rot="10800000" flipH="1">
+            <a:off x="7116750" y="1843125"/>
+            <a:ext cx="2037000" cy="24300"/>
+          </a:xfrm>
+          <a:prstGeom prst="rect">
+            <a:avLst/>
+          </a:prstGeom>
+          <a:solidFill>
+            <a:srgbClr val="CC0000"/>
+          </a:solidFill>
+          <a:ln>
+            <a:noFill/>
+          </a:ln>
+        </p:spPr>
+        <p:txBody>
+          <a:bodyPr spcFirstLastPara="1" wrap="square" lIns="91425" tIns="91425" rIns="91425" bIns="91425" anchor="ctr" anchorCtr="0">
+            <a:noAutofit/>
+          </a:bodyPr>
+          <a:lstStyle/>
+          <a:p>
+            <a:pPr marL="0" lvl="0" indent="0" rtl="0">
+              <a:spcBef>
+                <a:spcPts val="0"/>
+              </a:spcBef>
+              <a:spcAft>
+                <a:spcPts val="0"/>
+              </a:spcAft>
+              <a:buNone/>
+            </a:pPr>
+            <a:r>
+              <a:rPr lang="en-US"/>
+              <a:t>                                                                                     </a:t>
+            </a:r>
+            <a:endParaRPr/>
+          </a:p>
+        </p:txBody>
+      </p:sp>
+      <p:sp>
+        <p:nvSpPr>
+          <p:cNvPr id="284" name="Shape 284"/>
+          <p:cNvSpPr/>
+          <p:nvPr/>
+        </p:nvSpPr>
+        <p:spPr>
+          <a:xfrm rot="10800000" flipH="1">
+            <a:off x="7116750" y="1865525"/>
+            <a:ext cx="2037000" cy="25200"/>
+          </a:xfrm>
+          <a:prstGeom prst="rect">
+            <a:avLst/>
+          </a:prstGeom>
+          <a:solidFill>
+            <a:srgbClr val="262626"/>
+          </a:solidFill>
+          <a:ln>
+            <a:noFill/>
+          </a:ln>
+        </p:spPr>
+        <p:txBody>
+          <a:bodyPr spcFirstLastPara="1" wrap="square" lIns="91425" tIns="91425" rIns="91425" bIns="91425" anchor="ctr" anchorCtr="0">
+            <a:noAutofit/>
+          </a:bodyPr>
+          <a:lstStyle/>
+          <a:p>
+            <a:pPr marL="0" lvl="0" indent="0">
+              <a:spcBef>
+                <a:spcPts val="0"/>
+              </a:spcBef>
+              <a:spcAft>
+                <a:spcPts val="0"/>
+              </a:spcAft>
+              <a:buNone/>
+            </a:pPr>
+            <a:endParaRPr/>
+          </a:p>
+        </p:txBody>
+      </p:sp>
+      <p:pic>
+        <p:nvPicPr>
+          <p:cNvPr id="1026" name="Picture 2">
+            <a:extLst>
+              <a:ext uri="{FF2B5EF4-FFF2-40B4-BE49-F238E27FC236}">
+                <a16:creationId xmlns:a16="http://schemas.microsoft.com/office/drawing/2014/main" id="{1DF9A563-DBE9-443D-9196-88A9AD558B66}"/>
+              </a:ext>
+            </a:extLst>
+          </p:cNvPr>
+          <p:cNvPicPr>
+            <a:picLocks noChangeAspect="1" noChangeArrowheads="1"/>
+          </p:cNvPicPr>
+          <p:nvPr/>
+        </p:nvPicPr>
+        <p:blipFill>
+          <a:blip r:embed="rId4">
+            <a:extLst>
+              <a:ext uri="{28A0092B-C50C-407E-A947-70E740481C1C}">
+                <a14:useLocalDpi xmlns:a14="http://schemas.microsoft.com/office/drawing/2010/main" val="0"/>
+              </a:ext>
+            </a:extLst>
+          </a:blip>
+          <a:srcRect/>
+          <a:stretch>
+            <a:fillRect/>
+          </a:stretch>
+        </p:blipFill>
+        <p:spPr bwMode="auto">
+          <a:xfrm>
+            <a:off x="0" y="2574450"/>
+            <a:ext cx="9144000" cy="3358342"/>
+          </a:xfrm>
+          <a:prstGeom prst="rect">
+            <a:avLst/>
+          </a:prstGeom>
+          <a:noFill/>
+          <a:extLst>
+            <a:ext uri="{909E8E84-426E-40DD-AFC4-6F175D3DCCD1}">
+              <a14:hiddenFill xmlns:a14="http://schemas.microsoft.com/office/drawing/2010/main">
+                <a:solidFill>
+                  <a:srgbClr val="FFFFFF"/>
+                </a:solidFill>
+              </a14:hiddenFill>
+            </a:ext>
+          </a:extLst>
+        </p:spPr>
+      </p:pic>
+    </p:spTree>
+    <p:extLst>
+      <p:ext uri="{BB962C8B-B14F-4D97-AF65-F5344CB8AC3E}">
+        <p14:creationId xmlns:p14="http://schemas.microsoft.com/office/powerpoint/2010/main" val="4114407374"/>
+      </p:ext>
+    </p:extLst>
+  </p:cSld>
+  <p:clrMapOvr>
+    <a:masterClrMapping/>
+  </p:clrMapOvr>
+  <p:transition>
+    <p:fade/>
+  </p:transition>
+</p:sld>
+</file>
+
+<file path=ppt/slides/slide5.xml><?xml version="1.0" encoding="utf-8"?>
+<p:sld xmlns:a="http://schemas.openxmlformats.org/drawingml/2006/main" xmlns:r="http://schemas.openxmlformats.org/officeDocument/2006/relationships" xmlns:p="http://schemas.openxmlformats.org/presentationml/2006/main">
+  <p:cSld>
+    <p:spTree>
+      <p:nvGrpSpPr>
+        <p:cNvPr id="1" name="Shape 264"/>
+        <p:cNvGrpSpPr/>
+        <p:nvPr/>
+      </p:nvGrpSpPr>
+      <p:grpSpPr>
+        <a:xfrm>
+          <a:off x="0" y="0"/>
+          <a:ext cx="0" cy="0"/>
+          <a:chOff x="0" y="0"/>
+          <a:chExt cx="0" cy="0"/>
+        </a:xfrm>
+      </p:grpSpPr>
       <p:sp>
         <p:nvSpPr>
           <p:cNvPr id="268" name="Shape 268"/>
@@ -19878,7 +20501,7 @@
 </p:sld>
 </file>
 
-<file path=ppt/slides/slide5.xml><?xml version="1.0" encoding="utf-8"?>
+<file path=ppt/slides/slide6.xml><?xml version="1.0" encoding="utf-8"?>
 <p:sld xmlns:a="http://schemas.openxmlformats.org/drawingml/2006/main" xmlns:r="http://schemas.openxmlformats.org/officeDocument/2006/relationships" xmlns:p="http://schemas.openxmlformats.org/presentationml/2006/main">
   <p:cSld>
     <p:spTree>
@@ -20502,7 +21125,7 @@
 </p:sld>
 </file>
 
-<file path=ppt/slides/slide6.xml><?xml version="1.0" encoding="utf-8"?>
+<file path=ppt/slides/slide7.xml><?xml version="1.0" encoding="utf-8"?>
 <p:sld xmlns:a="http://schemas.openxmlformats.org/drawingml/2006/main" xmlns:r="http://schemas.openxmlformats.org/officeDocument/2006/relationships" xmlns:p="http://schemas.openxmlformats.org/presentationml/2006/main">
   <p:cSld>
     <p:spTree>
@@ -20920,7 +21543,7 @@
 </p:sld>
 </file>
 
-<file path=ppt/slides/slide7.xml><?xml version="1.0" encoding="utf-8"?>
+<file path=ppt/slides/slide8.xml><?xml version="1.0" encoding="utf-8"?>
 <p:sld xmlns:a="http://schemas.openxmlformats.org/drawingml/2006/main" xmlns:r="http://schemas.openxmlformats.org/officeDocument/2006/relationships" xmlns:p="http://schemas.openxmlformats.org/presentationml/2006/main">
   <p:cSld>
     <p:spTree>
@@ -21436,7 +22059,7 @@
 </p:sld>
 </file>
 
-<file path=ppt/slides/slide8.xml><?xml version="1.0" encoding="utf-8"?>
+<file path=ppt/slides/slide9.xml><?xml version="1.0" encoding="utf-8"?>
 <p:sld xmlns:a="http://schemas.openxmlformats.org/drawingml/2006/main" xmlns:r="http://schemas.openxmlformats.org/officeDocument/2006/relationships" xmlns:p="http://schemas.openxmlformats.org/presentationml/2006/main">
   <p:cSld>
     <p:spTree>

--- a/5.LINQ/LINQ.pptx
+++ b/5.LINQ/LINQ.pptx
@@ -5,7 +5,7 @@
     <p:sldMasterId id="2147483661" r:id="rId1"/>
   </p:sldMasterIdLst>
   <p:notesMasterIdLst>
-    <p:notesMasterId r:id="rId11"/>
+    <p:notesMasterId r:id="rId12"/>
   </p:notesMasterIdLst>
   <p:sldIdLst>
     <p:sldId id="256" r:id="rId2"/>
@@ -17,23 +17,24 @@
     <p:sldId id="272" r:id="rId8"/>
     <p:sldId id="273" r:id="rId9"/>
     <p:sldId id="274" r:id="rId10"/>
+    <p:sldId id="276" r:id="rId11"/>
   </p:sldIdLst>
   <p:sldSz cx="9144000" cy="6858000" type="screen4x3"/>
   <p:notesSz cx="6858000" cy="9144000"/>
   <p:embeddedFontLst>
     <p:embeddedFont>
       <p:font typeface="Calibri" panose="020F0502020204030204" pitchFamily="34" charset="0"/>
-      <p:regular r:id="rId12"/>
-      <p:bold r:id="rId13"/>
-      <p:italic r:id="rId14"/>
-      <p:boldItalic r:id="rId15"/>
+      <p:regular r:id="rId13"/>
+      <p:bold r:id="rId14"/>
+      <p:italic r:id="rId15"/>
+      <p:boldItalic r:id="rId16"/>
     </p:embeddedFont>
     <p:embeddedFont>
       <p:font typeface="Roboto" panose="020B0604020202020204" charset="0"/>
-      <p:regular r:id="rId16"/>
-      <p:bold r:id="rId17"/>
-      <p:italic r:id="rId18"/>
-      <p:boldItalic r:id="rId19"/>
+      <p:regular r:id="rId17"/>
+      <p:bold r:id="rId18"/>
+      <p:italic r:id="rId19"/>
+      <p:boldItalic r:id="rId20"/>
     </p:embeddedFont>
   </p:embeddedFontLst>
   <p:defaultTextStyle>
@@ -1482,6 +1483,323 @@
 </p:notes>
 </file>
 
+<file path=ppt/notesSlides/notesSlide10.xml><?xml version="1.0" encoding="utf-8"?>
+<p:notes xmlns:a="http://schemas.openxmlformats.org/drawingml/2006/main" xmlns:r="http://schemas.openxmlformats.org/officeDocument/2006/relationships" xmlns:p="http://schemas.openxmlformats.org/presentationml/2006/main" showMasterSp="0" showMasterPhAnim="0">
+  <p:cSld>
+    <p:spTree>
+      <p:nvGrpSpPr>
+        <p:cNvPr id="1" name="Shape 152"/>
+        <p:cNvGrpSpPr/>
+        <p:nvPr/>
+      </p:nvGrpSpPr>
+      <p:grpSpPr>
+        <a:xfrm>
+          <a:off x="0" y="0"/>
+          <a:ext cx="0" cy="0"/>
+          <a:chOff x="0" y="0"/>
+          <a:chExt cx="0" cy="0"/>
+        </a:xfrm>
+      </p:grpSpPr>
+      <p:sp>
+        <p:nvSpPr>
+          <p:cNvPr id="153" name="Shape 153"/>
+          <p:cNvSpPr>
+            <a:spLocks noGrp="1" noRot="1" noChangeAspect="1"/>
+          </p:cNvSpPr>
+          <p:nvPr>
+            <p:ph type="sldImg" idx="2"/>
+          </p:nvPr>
+        </p:nvSpPr>
+        <p:spPr>
+          <a:xfrm>
+            <a:off x="1143000" y="685800"/>
+            <a:ext cx="4572000" cy="3429000"/>
+          </a:xfrm>
+          <a:custGeom>
+            <a:avLst/>
+            <a:gdLst/>
+            <a:ahLst/>
+            <a:cxnLst/>
+            <a:rect l="0" t="0" r="0" b="0"/>
+            <a:pathLst>
+              <a:path w="120000" h="120000" extrusionOk="0">
+                <a:moveTo>
+                  <a:pt x="0" y="0"/>
+                </a:moveTo>
+                <a:lnTo>
+                  <a:pt x="120000" y="0"/>
+                </a:lnTo>
+                <a:lnTo>
+                  <a:pt x="120000" y="120000"/>
+                </a:lnTo>
+                <a:lnTo>
+                  <a:pt x="0" y="120000"/>
+                </a:lnTo>
+                <a:close/>
+              </a:path>
+            </a:pathLst>
+          </a:custGeom>
+          <a:noFill/>
+          <a:ln w="9525" cap="flat" cmpd="sng">
+            <a:solidFill>
+              <a:srgbClr val="000000"/>
+            </a:solidFill>
+            <a:prstDash val="solid"/>
+            <a:miter lim="800000"/>
+            <a:headEnd type="none" w="med" len="med"/>
+            <a:tailEnd type="none" w="med" len="med"/>
+          </a:ln>
+        </p:spPr>
+      </p:sp>
+      <p:sp>
+        <p:nvSpPr>
+          <p:cNvPr id="154" name="Shape 154"/>
+          <p:cNvSpPr txBox="1">
+            <a:spLocks noGrp="1"/>
+          </p:cNvSpPr>
+          <p:nvPr>
+            <p:ph type="body" idx="1"/>
+          </p:nvPr>
+        </p:nvSpPr>
+        <p:spPr>
+          <a:xfrm>
+            <a:off x="685800" y="4343400"/>
+            <a:ext cx="5486400" cy="4114800"/>
+          </a:xfrm>
+          <a:prstGeom prst="rect">
+            <a:avLst/>
+          </a:prstGeom>
+          <a:noFill/>
+          <a:ln>
+            <a:noFill/>
+          </a:ln>
+        </p:spPr>
+        <p:txBody>
+          <a:bodyPr spcFirstLastPara="1" wrap="square" lIns="91425" tIns="45700" rIns="91425" bIns="45700" anchor="t" anchorCtr="0">
+            <a:noAutofit/>
+          </a:bodyPr>
+          <a:lstStyle/>
+          <a:p>
+            <a:pPr marL="0" marR="0" lvl="0" indent="0" algn="l" defTabSz="914400" rtl="0" eaLnBrk="1" fontAlgn="auto" latinLnBrk="0" hangingPunct="1">
+              <a:lnSpc>
+                <a:spcPct val="100000"/>
+              </a:lnSpc>
+              <a:spcBef>
+                <a:spcPts val="0"/>
+              </a:spcBef>
+              <a:spcAft>
+                <a:spcPts val="0"/>
+              </a:spcAft>
+              <a:buClrTx/>
+              <a:buSzPts val="1400"/>
+              <a:buFontTx/>
+              <a:buNone/>
+              <a:tabLst/>
+              <a:defRPr/>
+            </a:pPr>
+            <a:r>
+              <a:rPr lang="ru-RU" sz="1200" b="0" i="0" u="none" strike="noStrike" cap="none" dirty="0">
+                <a:solidFill>
+                  <a:schemeClr val="dk1"/>
+                </a:solidFill>
+                <a:latin typeface="Calibri"/>
+                <a:ea typeface="Calibri"/>
+                <a:cs typeface="Calibri"/>
+                <a:sym typeface="Calibri"/>
+              </a:rPr>
+              <a:t>Смотрим пример </a:t>
+            </a:r>
+            <a:r>
+              <a:rPr lang="en-US" sz="1200" b="0" i="0" u="none" strike="noStrike" cap="none" dirty="0" err="1">
+                <a:solidFill>
+                  <a:schemeClr val="dk1"/>
+                </a:solidFill>
+                <a:latin typeface="Calibri"/>
+                <a:ea typeface="Calibri"/>
+                <a:cs typeface="Calibri"/>
+                <a:sym typeface="Calibri"/>
+              </a:rPr>
+              <a:t>AnonymousTypes</a:t>
+            </a:r>
+            <a:endParaRPr lang="en-US" sz="1200" b="0" i="0" u="none" strike="noStrike" cap="none" dirty="0">
+              <a:solidFill>
+                <a:schemeClr val="dk1"/>
+              </a:solidFill>
+              <a:latin typeface="Calibri"/>
+              <a:ea typeface="Calibri"/>
+              <a:cs typeface="Calibri"/>
+              <a:sym typeface="Calibri"/>
+            </a:endParaRPr>
+          </a:p>
+          <a:p>
+            <a:pPr marL="0" marR="0" lvl="0" indent="0" algn="l" defTabSz="914400" rtl="0" eaLnBrk="1" fontAlgn="auto" latinLnBrk="0" hangingPunct="1">
+              <a:lnSpc>
+                <a:spcPct val="100000"/>
+              </a:lnSpc>
+              <a:spcBef>
+                <a:spcPts val="0"/>
+              </a:spcBef>
+              <a:spcAft>
+                <a:spcPts val="0"/>
+              </a:spcAft>
+              <a:buClrTx/>
+              <a:buSzPts val="1400"/>
+              <a:buFontTx/>
+              <a:buNone/>
+              <a:tabLst/>
+              <a:defRPr/>
+            </a:pPr>
+            <a:endParaRPr lang="en-US" sz="1200" b="0" i="0" u="none" strike="noStrike" cap="none" dirty="0">
+              <a:solidFill>
+                <a:schemeClr val="dk1"/>
+              </a:solidFill>
+              <a:latin typeface="Calibri"/>
+              <a:ea typeface="Calibri"/>
+              <a:cs typeface="Calibri"/>
+              <a:sym typeface="Calibri"/>
+            </a:endParaRPr>
+          </a:p>
+          <a:p>
+            <a:pPr marL="0" marR="0" lvl="0" indent="0" algn="l" defTabSz="914400" rtl="0" eaLnBrk="1" fontAlgn="auto" latinLnBrk="0" hangingPunct="1">
+              <a:lnSpc>
+                <a:spcPct val="100000"/>
+              </a:lnSpc>
+              <a:spcBef>
+                <a:spcPts val="0"/>
+              </a:spcBef>
+              <a:spcAft>
+                <a:spcPts val="0"/>
+              </a:spcAft>
+              <a:buClrTx/>
+              <a:buSzPts val="1400"/>
+              <a:buFontTx/>
+              <a:buNone/>
+              <a:tabLst/>
+              <a:defRPr/>
+            </a:pPr>
+            <a:r>
+              <a:rPr lang="ru-RU" sz="1200" b="0" i="0" u="none" strike="noStrike" kern="1200" cap="none" dirty="0">
+                <a:solidFill>
+                  <a:schemeClr val="dk1"/>
+                </a:solidFill>
+                <a:latin typeface="Calibri"/>
+                <a:ea typeface="Calibri"/>
+                <a:cs typeface="Calibri"/>
+                <a:sym typeface="Calibri"/>
+              </a:rPr>
+              <a:t>Создайте запрос в котором персонажей старше 40 лет </a:t>
+            </a:r>
+            <a:r>
+              <a:rPr lang="ru-RU" sz="1200" b="0" i="0" u="none" strike="noStrike" kern="1200" cap="none">
+                <a:solidFill>
+                  <a:schemeClr val="dk1"/>
+                </a:solidFill>
+                <a:latin typeface="Calibri"/>
+                <a:ea typeface="Calibri"/>
+                <a:cs typeface="Calibri"/>
+                <a:sym typeface="Calibri"/>
+              </a:rPr>
+              <a:t>сгрупируйте их </a:t>
+            </a:r>
+            <a:r>
+              <a:rPr lang="ru-RU" sz="1200" b="0" i="0" u="none" strike="noStrike" kern="1200" cap="none" dirty="0">
+                <a:solidFill>
+                  <a:schemeClr val="dk1"/>
+                </a:solidFill>
+                <a:latin typeface="Calibri"/>
+                <a:ea typeface="Calibri"/>
+                <a:cs typeface="Calibri"/>
+                <a:sym typeface="Calibri"/>
+              </a:rPr>
+              <a:t>по FirstName и выберите анонимный обьект с 2 свойствами: название группы и кол-во элементов </a:t>
+            </a:r>
+            <a:endParaRPr lang="en-US" sz="1200" b="0" i="0" u="none" strike="noStrike" cap="none" dirty="0">
+              <a:solidFill>
+                <a:schemeClr val="dk1"/>
+              </a:solidFill>
+              <a:latin typeface="Calibri"/>
+              <a:ea typeface="Calibri"/>
+              <a:cs typeface="Calibri"/>
+              <a:sym typeface="Calibri"/>
+            </a:endParaRPr>
+          </a:p>
+        </p:txBody>
+      </p:sp>
+      <p:sp>
+        <p:nvSpPr>
+          <p:cNvPr id="155" name="Shape 155"/>
+          <p:cNvSpPr txBox="1">
+            <a:spLocks noGrp="1"/>
+          </p:cNvSpPr>
+          <p:nvPr>
+            <p:ph type="sldNum" idx="12"/>
+          </p:nvPr>
+        </p:nvSpPr>
+        <p:spPr>
+          <a:xfrm>
+            <a:off x="3884613" y="8685213"/>
+            <a:ext cx="2971800" cy="457200"/>
+          </a:xfrm>
+          <a:prstGeom prst="rect">
+            <a:avLst/>
+          </a:prstGeom>
+          <a:noFill/>
+          <a:ln>
+            <a:noFill/>
+          </a:ln>
+        </p:spPr>
+        <p:txBody>
+          <a:bodyPr spcFirstLastPara="1" wrap="square" lIns="91425" tIns="45700" rIns="91425" bIns="45700" anchor="b" anchorCtr="0">
+            <a:noAutofit/>
+          </a:bodyPr>
+          <a:lstStyle/>
+          <a:p>
+            <a:pPr marL="0" marR="0" lvl="0" indent="0" algn="r" rtl="0">
+              <a:spcBef>
+                <a:spcPts val="0"/>
+              </a:spcBef>
+              <a:spcAft>
+                <a:spcPts val="0"/>
+              </a:spcAft>
+              <a:buNone/>
+            </a:pPr>
+            <a:fld id="{00000000-1234-1234-1234-123412341234}" type="slidenum">
+              <a:rPr lang="en-US" sz="1200" b="0" i="0" u="none" strike="noStrike" cap="none">
+                <a:solidFill>
+                  <a:schemeClr val="dk1"/>
+                </a:solidFill>
+                <a:latin typeface="Calibri"/>
+                <a:ea typeface="Calibri"/>
+                <a:cs typeface="Calibri"/>
+                <a:sym typeface="Calibri"/>
+              </a:rPr>
+              <a:t>10</a:t>
+            </a:fld>
+            <a:endParaRPr sz="1200" b="0" i="0" u="none" strike="noStrike" cap="none">
+              <a:solidFill>
+                <a:schemeClr val="dk1"/>
+              </a:solidFill>
+              <a:latin typeface="Calibri"/>
+              <a:ea typeface="Calibri"/>
+              <a:cs typeface="Calibri"/>
+              <a:sym typeface="Calibri"/>
+            </a:endParaRPr>
+          </a:p>
+        </p:txBody>
+      </p:sp>
+    </p:spTree>
+    <p:extLst>
+      <p:ext uri="{BB962C8B-B14F-4D97-AF65-F5344CB8AC3E}">
+        <p14:creationId xmlns:p14="http://schemas.microsoft.com/office/powerpoint/2010/main" val="3591879542"/>
+      </p:ext>
+    </p:extLst>
+  </p:cSld>
+  <p:clrMapOvr>
+    <a:masterClrMapping/>
+  </p:clrMapOvr>
+</p:notes>
+</file>
+
 <file path=ppt/notesSlides/notesSlide2.xml><?xml version="1.0" encoding="utf-8"?>
 <p:notes xmlns:a="http://schemas.openxmlformats.org/drawingml/2006/main" xmlns:r="http://schemas.openxmlformats.org/officeDocument/2006/relationships" xmlns:p="http://schemas.openxmlformats.org/presentationml/2006/main" showMasterSp="0" showMasterPhAnim="0">
   <p:cSld>
@@ -1984,7 +2302,31 @@
                 <a:cs typeface="Calibri"/>
                 <a:sym typeface="Calibri"/>
               </a:rPr>
-              <a:t>Переходимв код рассматриваем </a:t>
+              <a:t>Переходим</a:t>
+            </a:r>
+            <a:r>
+              <a:rPr lang="en-US" sz="1200" b="0" i="0" u="none" strike="noStrike" cap="none" dirty="0">
+                <a:solidFill>
+                  <a:schemeClr val="dk1"/>
+                </a:solidFill>
+                <a:latin typeface="Calibri"/>
+                <a:ea typeface="Calibri"/>
+                <a:cs typeface="Calibri"/>
+                <a:sym typeface="Calibri"/>
+              </a:rPr>
+              <a:t> </a:t>
+            </a:r>
+            <a:r>
+              <a:rPr lang="ru-RU" sz="1200" b="0" i="0" u="none" strike="noStrike" cap="none" dirty="0">
+                <a:solidFill>
+                  <a:schemeClr val="dk1"/>
+                </a:solidFill>
+                <a:latin typeface="Calibri"/>
+                <a:ea typeface="Calibri"/>
+                <a:cs typeface="Calibri"/>
+                <a:sym typeface="Calibri"/>
+              </a:rPr>
+              <a:t>в код рассматриваем </a:t>
             </a:r>
             <a:r>
               <a:rPr lang="en-US" sz="1200" b="0" i="0" u="none" strike="noStrike" cap="none" dirty="0" err="1">
@@ -2273,7 +2615,31 @@
               </a:spcAft>
               <a:buNone/>
             </a:pPr>
-            <a:endParaRPr sz="1200" b="0" i="0" u="none" strike="noStrike" cap="none">
+            <a:r>
+              <a:rPr lang="ru-RU" sz="1200" b="0" i="0" u="none" strike="noStrike" cap="none" dirty="0">
+                <a:solidFill>
+                  <a:schemeClr val="dk1"/>
+                </a:solidFill>
+                <a:latin typeface="Calibri"/>
+                <a:ea typeface="Calibri"/>
+                <a:cs typeface="Calibri"/>
+                <a:sym typeface="Calibri"/>
+              </a:rPr>
+              <a:t>Рассматриваем пример в коде </a:t>
+            </a:r>
+            <a:r>
+              <a:rPr lang="en-US" sz="1200" b="0" i="0" u="none" strike="noStrike" cap="none" dirty="0" err="1">
+                <a:solidFill>
+                  <a:schemeClr val="dk1"/>
+                </a:solidFill>
+                <a:latin typeface="Calibri"/>
+                <a:ea typeface="Calibri"/>
+                <a:cs typeface="Calibri"/>
+                <a:sym typeface="Calibri"/>
+              </a:rPr>
+              <a:t>ExtensionMethodsSyntax</a:t>
+            </a:r>
+            <a:endParaRPr sz="1200" b="0" i="0" u="none" strike="noStrike" cap="none" dirty="0">
               <a:solidFill>
                 <a:schemeClr val="dk1"/>
               </a:solidFill>
@@ -2659,7 +3025,115 @@
               </a:spcAft>
               <a:buNone/>
             </a:pPr>
-            <a:endParaRPr sz="1200" b="0" i="0" u="none" strike="noStrike" cap="none">
+            <a:r>
+              <a:rPr lang="ru-RU" sz="1200" b="0" i="0" u="none" strike="noStrike" cap="none" dirty="0">
+                <a:solidFill>
+                  <a:schemeClr val="dk1"/>
+                </a:solidFill>
+                <a:latin typeface="Calibri"/>
+                <a:ea typeface="Calibri"/>
+                <a:cs typeface="Calibri"/>
+                <a:sym typeface="Calibri"/>
+              </a:rPr>
+              <a:t>Рассматриваем при </a:t>
+            </a:r>
+            <a:r>
+              <a:rPr lang="en-US" sz="1200" b="0" i="0" u="none" strike="noStrike" cap="none" dirty="0" err="1">
+                <a:solidFill>
+                  <a:schemeClr val="dk1"/>
+                </a:solidFill>
+                <a:latin typeface="Calibri"/>
+                <a:ea typeface="Calibri"/>
+                <a:cs typeface="Calibri"/>
+                <a:sym typeface="Calibri"/>
+              </a:rPr>
+              <a:t>WhereClause</a:t>
+            </a:r>
+            <a:endParaRPr lang="en-US" sz="1200" b="0" i="0" u="none" strike="noStrike" cap="none" dirty="0">
+              <a:solidFill>
+                <a:schemeClr val="dk1"/>
+              </a:solidFill>
+              <a:latin typeface="Calibri"/>
+              <a:ea typeface="Calibri"/>
+              <a:cs typeface="Calibri"/>
+              <a:sym typeface="Calibri"/>
+            </a:endParaRPr>
+          </a:p>
+          <a:p>
+            <a:pPr marL="0" marR="0" lvl="0" indent="0" algn="l" rtl="0">
+              <a:spcBef>
+                <a:spcPts val="0"/>
+              </a:spcBef>
+              <a:spcAft>
+                <a:spcPts val="0"/>
+              </a:spcAft>
+              <a:buNone/>
+            </a:pPr>
+            <a:endParaRPr lang="en-US" sz="1200" b="0" i="0" u="none" strike="noStrike" cap="none" dirty="0">
+              <a:solidFill>
+                <a:schemeClr val="dk1"/>
+              </a:solidFill>
+              <a:latin typeface="Calibri"/>
+              <a:ea typeface="Calibri"/>
+              <a:cs typeface="Calibri"/>
+              <a:sym typeface="Calibri"/>
+            </a:endParaRPr>
+          </a:p>
+          <a:p>
+            <a:pPr marL="0" marR="0" lvl="0" indent="0" algn="l" rtl="0">
+              <a:spcBef>
+                <a:spcPts val="0"/>
+              </a:spcBef>
+              <a:spcAft>
+                <a:spcPts val="0"/>
+              </a:spcAft>
+              <a:buNone/>
+            </a:pPr>
+            <a:r>
+              <a:rPr lang="ru-RU" sz="1200" b="0" i="0" u="none" strike="noStrike" cap="none" dirty="0">
+                <a:solidFill>
+                  <a:schemeClr val="dk1"/>
+                </a:solidFill>
+                <a:latin typeface="Calibri"/>
+                <a:ea typeface="Calibri"/>
+                <a:cs typeface="Calibri"/>
+                <a:sym typeface="Calibri"/>
+              </a:rPr>
+              <a:t>Задание:</a:t>
+            </a:r>
+            <a:endParaRPr lang="ru-RU" sz="1200" b="0" i="0" u="none" strike="noStrike" kern="1200" cap="none" dirty="0">
+              <a:solidFill>
+                <a:schemeClr val="dk1"/>
+              </a:solidFill>
+              <a:latin typeface="Calibri"/>
+              <a:ea typeface="Calibri"/>
+              <a:cs typeface="Calibri"/>
+              <a:sym typeface="Calibri"/>
+            </a:endParaRPr>
+          </a:p>
+          <a:p>
+            <a:pPr marL="0" marR="0" lvl="0" indent="0" algn="l" rtl="0">
+              <a:spcBef>
+                <a:spcPts val="0"/>
+              </a:spcBef>
+              <a:spcAft>
+                <a:spcPts val="0"/>
+              </a:spcAft>
+              <a:buNone/>
+            </a:pPr>
+            <a:r>
+              <a:rPr lang="ru-RU" sz="1200" b="0" i="0" u="none" strike="noStrike" kern="1200" cap="none" dirty="0">
+                <a:solidFill>
+                  <a:schemeClr val="dk1"/>
+                </a:solidFill>
+                <a:latin typeface="Calibri"/>
+                <a:ea typeface="Calibri"/>
+                <a:cs typeface="Calibri"/>
+                <a:sym typeface="Calibri"/>
+              </a:rPr>
+              <a:t>Напишите сами LINQ запрос с оператором Where, используя синтаксис методов расширения  и используйте в выражении оба логических оператора &amp;&amp; и || </a:t>
+            </a:r>
+            <a:endParaRPr sz="1200" b="0" i="0" u="none" strike="noStrike" cap="none" dirty="0">
               <a:solidFill>
                 <a:schemeClr val="dk1"/>
               </a:solidFill>
@@ -2852,7 +3326,31 @@
               </a:spcAft>
               <a:buNone/>
             </a:pPr>
-            <a:endParaRPr sz="1200" b="0" i="0" u="none" strike="noStrike" cap="none">
+            <a:r>
+              <a:rPr lang="ru-RU" sz="1200" b="0" i="0" u="none" strike="noStrike" cap="none" dirty="0">
+                <a:solidFill>
+                  <a:schemeClr val="dk1"/>
+                </a:solidFill>
+                <a:latin typeface="Calibri"/>
+                <a:ea typeface="Calibri"/>
+                <a:cs typeface="Calibri"/>
+                <a:sym typeface="Calibri"/>
+              </a:rPr>
+              <a:t>Смотрим пример </a:t>
+            </a:r>
+            <a:r>
+              <a:rPr lang="en-US" sz="1200" b="0" i="0" u="none" strike="noStrike" cap="none" dirty="0" err="1">
+                <a:solidFill>
+                  <a:schemeClr val="dk1"/>
+                </a:solidFill>
+                <a:latin typeface="Calibri"/>
+                <a:ea typeface="Calibri"/>
+                <a:cs typeface="Calibri"/>
+                <a:sym typeface="Calibri"/>
+              </a:rPr>
+              <a:t>OrderByClause</a:t>
+            </a:r>
+            <a:endParaRPr sz="1200" b="0" i="0" u="none" strike="noStrike" cap="none" dirty="0">
               <a:solidFill>
                 <a:schemeClr val="dk1"/>
               </a:solidFill>
@@ -3036,6 +3534,58 @@
           </a:bodyPr>
           <a:lstStyle/>
           <a:p>
+            <a:pPr marL="0" marR="0" lvl="0" indent="0" algn="l" defTabSz="914400" rtl="0" eaLnBrk="1" fontAlgn="auto" latinLnBrk="0" hangingPunct="1">
+              <a:lnSpc>
+                <a:spcPct val="100000"/>
+              </a:lnSpc>
+              <a:spcBef>
+                <a:spcPts val="0"/>
+              </a:spcBef>
+              <a:spcAft>
+                <a:spcPts val="0"/>
+              </a:spcAft>
+              <a:buClrTx/>
+              <a:buSzPts val="1400"/>
+              <a:buFontTx/>
+              <a:buNone/>
+              <a:tabLst/>
+              <a:defRPr/>
+            </a:pPr>
+            <a:r>
+              <a:rPr lang="ru-RU" sz="1200" b="0" i="0" u="none" strike="noStrike" cap="none" dirty="0">
+                <a:solidFill>
+                  <a:schemeClr val="dk1"/>
+                </a:solidFill>
+                <a:latin typeface="Calibri"/>
+                <a:ea typeface="Calibri"/>
+                <a:cs typeface="Calibri"/>
+                <a:sym typeface="Calibri"/>
+              </a:rPr>
+              <a:t>Смотрим пример </a:t>
+            </a:r>
+            <a:r>
+              <a:rPr lang="en-US" sz="1200" b="0" i="0" u="none" strike="noStrike" cap="none" dirty="0" err="1">
+                <a:solidFill>
+                  <a:schemeClr val="dk1"/>
+                </a:solidFill>
+                <a:latin typeface="Calibri"/>
+                <a:ea typeface="Calibri"/>
+                <a:cs typeface="Calibri"/>
+                <a:sym typeface="Calibri"/>
+              </a:rPr>
+              <a:t>GroupByClause</a:t>
+            </a:r>
+            <a:endParaRPr lang="en-US" sz="1200" b="0" i="0" u="none" strike="noStrike" cap="none" dirty="0">
+              <a:solidFill>
+                <a:schemeClr val="dk1"/>
+              </a:solidFill>
+              <a:latin typeface="Calibri"/>
+              <a:ea typeface="Calibri"/>
+              <a:cs typeface="Calibri"/>
+              <a:sym typeface="Calibri"/>
+            </a:endParaRPr>
+          </a:p>
+          <a:p>
             <a:pPr marL="0" marR="0" lvl="0" indent="0" algn="l" rtl="0">
               <a:spcBef>
                 <a:spcPts val="0"/>
@@ -3045,7 +3595,63 @@
               </a:spcAft>
               <a:buNone/>
             </a:pPr>
-            <a:endParaRPr sz="1200" b="0" i="0" u="none" strike="noStrike" cap="none">
+            <a:endParaRPr lang="en-US" sz="1200" b="0" i="0" u="none" strike="noStrike" cap="none" dirty="0">
+              <a:solidFill>
+                <a:schemeClr val="dk1"/>
+              </a:solidFill>
+              <a:latin typeface="Calibri"/>
+              <a:ea typeface="Calibri"/>
+              <a:cs typeface="Calibri"/>
+              <a:sym typeface="Calibri"/>
+            </a:endParaRPr>
+          </a:p>
+          <a:p>
+            <a:pPr marL="0" marR="0" lvl="0" indent="0" algn="l" rtl="0">
+              <a:spcBef>
+                <a:spcPts val="0"/>
+              </a:spcBef>
+              <a:spcAft>
+                <a:spcPts val="0"/>
+              </a:spcAft>
+              <a:buNone/>
+            </a:pPr>
+            <a:r>
+              <a:rPr lang="ru-RU" sz="1200" b="0" i="0" u="none" strike="noStrike" cap="none" dirty="0">
+                <a:solidFill>
+                  <a:schemeClr val="dk1"/>
+                </a:solidFill>
+                <a:latin typeface="Calibri"/>
+                <a:ea typeface="Calibri"/>
+                <a:cs typeface="Calibri"/>
+                <a:sym typeface="Calibri"/>
+              </a:rPr>
+              <a:t>Напишите запрос </a:t>
+            </a:r>
+            <a:r>
+              <a:rPr lang="en-US" sz="1200" b="0" i="0" u="none" strike="noStrike" cap="none" dirty="0">
+                <a:solidFill>
+                  <a:schemeClr val="dk1"/>
+                </a:solidFill>
+                <a:latin typeface="Calibri"/>
+                <a:ea typeface="Calibri"/>
+                <a:cs typeface="Calibri"/>
+                <a:sym typeface="Calibri"/>
+              </a:rPr>
+              <a:t>LINQ</a:t>
+            </a:r>
+            <a:r>
+              <a:rPr lang="ru-RU" sz="1200" b="0" i="0" u="none" strike="noStrike" cap="none" dirty="0">
+                <a:solidFill>
+                  <a:schemeClr val="dk1"/>
+                </a:solidFill>
+                <a:latin typeface="Calibri"/>
+                <a:ea typeface="Calibri"/>
+                <a:cs typeface="Calibri"/>
+                <a:sym typeface="Calibri"/>
+              </a:rPr>
+              <a:t> в котором сгрупируйте персонажей по возрасту выведите группы в которых ольше одного персонажа</a:t>
+            </a:r>
+            <a:endParaRPr sz="1200" b="0" i="0" u="none" strike="noStrike" cap="none" dirty="0">
               <a:solidFill>
                 <a:schemeClr val="dk1"/>
               </a:solidFill>
@@ -18267,6 +18873,365 @@
 </p:sld>
 </file>
 
+<file path=ppt/slides/slide10.xml><?xml version="1.0" encoding="utf-8"?>
+<p:sld xmlns:a="http://schemas.openxmlformats.org/drawingml/2006/main" xmlns:r="http://schemas.openxmlformats.org/officeDocument/2006/relationships" xmlns:p="http://schemas.openxmlformats.org/presentationml/2006/main">
+  <p:cSld>
+    <p:spTree>
+      <p:nvGrpSpPr>
+        <p:cNvPr id="1" name="Shape 156"/>
+        <p:cNvGrpSpPr/>
+        <p:nvPr/>
+      </p:nvGrpSpPr>
+      <p:grpSpPr>
+        <a:xfrm>
+          <a:off x="0" y="0"/>
+          <a:ext cx="0" cy="0"/>
+          <a:chOff x="0" y="0"/>
+          <a:chExt cx="0" cy="0"/>
+        </a:xfrm>
+      </p:grpSpPr>
+      <p:sp>
+        <p:nvSpPr>
+          <p:cNvPr id="158" name="Shape 158"/>
+          <p:cNvSpPr txBox="1">
+            <a:spLocks noGrp="1"/>
+          </p:cNvSpPr>
+          <p:nvPr>
+            <p:ph type="title"/>
+          </p:nvPr>
+        </p:nvSpPr>
+        <p:spPr>
+          <a:xfrm>
+            <a:off x="457200" y="1554479"/>
+            <a:ext cx="8229600" cy="1143000"/>
+          </a:xfrm>
+          <a:prstGeom prst="rect">
+            <a:avLst/>
+          </a:prstGeom>
+          <a:noFill/>
+          <a:ln>
+            <a:noFill/>
+          </a:ln>
+        </p:spPr>
+        <p:txBody>
+          <a:bodyPr spcFirstLastPara="1" wrap="square" lIns="91425" tIns="45700" rIns="91425" bIns="45700" anchor="ctr" anchorCtr="0">
+            <a:noAutofit/>
+          </a:bodyPr>
+          <a:lstStyle/>
+          <a:p>
+            <a:pPr lvl="0" algn="l"/>
+            <a:r>
+              <a:rPr lang="ru-RU" sz="4100" b="1" dirty="0">
+                <a:solidFill>
+                  <a:srgbClr val="262626"/>
+                </a:solidFill>
+                <a:latin typeface="Roboto"/>
+                <a:ea typeface="Roboto"/>
+                <a:cs typeface="Roboto"/>
+                <a:sym typeface="Roboto"/>
+              </a:rPr>
+              <a:t>Анонимные типы</a:t>
+            </a:r>
+            <a:endParaRPr lang="en-US" sz="4100" b="1" dirty="0">
+              <a:solidFill>
+                <a:srgbClr val="262626"/>
+              </a:solidFill>
+              <a:latin typeface="Roboto"/>
+              <a:ea typeface="Roboto"/>
+              <a:cs typeface="Roboto"/>
+              <a:sym typeface="Roboto"/>
+            </a:endParaRPr>
+          </a:p>
+        </p:txBody>
+      </p:sp>
+      <p:sp>
+        <p:nvSpPr>
+          <p:cNvPr id="159" name="Shape 159"/>
+          <p:cNvSpPr/>
+          <p:nvPr/>
+        </p:nvSpPr>
+        <p:spPr>
+          <a:xfrm>
+            <a:off x="7145316" y="408237"/>
+            <a:ext cx="1856100" cy="290400"/>
+          </a:xfrm>
+          <a:prstGeom prst="roundRect">
+            <a:avLst>
+              <a:gd name="adj" fmla="val 0"/>
+            </a:avLst>
+          </a:prstGeom>
+          <a:noFill/>
+          <a:ln>
+            <a:noFill/>
+          </a:ln>
+        </p:spPr>
+        <p:txBody>
+          <a:bodyPr spcFirstLastPara="1" wrap="square" lIns="91425" tIns="45700" rIns="91425" bIns="45700" anchor="ctr" anchorCtr="0">
+            <a:noAutofit/>
+          </a:bodyPr>
+          <a:lstStyle/>
+          <a:p>
+            <a:pPr marL="0" marR="0" lvl="0" indent="0" algn="ctr" rtl="0">
+              <a:spcBef>
+                <a:spcPts val="0"/>
+              </a:spcBef>
+              <a:spcAft>
+                <a:spcPts val="0"/>
+              </a:spcAft>
+              <a:buClr>
+                <a:schemeClr val="lt1"/>
+              </a:buClr>
+              <a:buSzPts val="1200"/>
+              <a:buFont typeface="Arial"/>
+              <a:buNone/>
+            </a:pPr>
+            <a:r>
+              <a:rPr lang="en-US" sz="1500" b="1" i="0" strike="noStrike" cap="none">
+                <a:solidFill>
+                  <a:srgbClr val="262626"/>
+                </a:solidFill>
+                <a:latin typeface="Roboto"/>
+                <a:ea typeface="Roboto"/>
+                <a:cs typeface="Roboto"/>
+                <a:sym typeface="Roboto"/>
+              </a:rPr>
+              <a:t>www.itea.ua</a:t>
+            </a:r>
+            <a:endParaRPr sz="1500" b="1" i="0" strike="noStrike" cap="none">
+              <a:solidFill>
+                <a:srgbClr val="262626"/>
+              </a:solidFill>
+              <a:latin typeface="Roboto"/>
+              <a:ea typeface="Roboto"/>
+              <a:cs typeface="Roboto"/>
+              <a:sym typeface="Roboto"/>
+            </a:endParaRPr>
+          </a:p>
+        </p:txBody>
+      </p:sp>
+      <p:sp>
+        <p:nvSpPr>
+          <p:cNvPr id="160" name="Shape 160"/>
+          <p:cNvSpPr/>
+          <p:nvPr/>
+        </p:nvSpPr>
+        <p:spPr>
+          <a:xfrm rot="10800000" flipH="1">
+            <a:off x="0" y="1127850"/>
+            <a:ext cx="3143100" cy="42300"/>
+          </a:xfrm>
+          <a:prstGeom prst="rect">
+            <a:avLst/>
+          </a:prstGeom>
+          <a:solidFill>
+            <a:srgbClr val="CC0000"/>
+          </a:solidFill>
+          <a:ln>
+            <a:noFill/>
+          </a:ln>
+        </p:spPr>
+        <p:txBody>
+          <a:bodyPr spcFirstLastPara="1" wrap="square" lIns="91425" tIns="91425" rIns="91425" bIns="91425" anchor="ctr" anchorCtr="0">
+            <a:noAutofit/>
+          </a:bodyPr>
+          <a:lstStyle/>
+          <a:p>
+            <a:pPr marL="0" lvl="0" indent="0">
+              <a:spcBef>
+                <a:spcPts val="0"/>
+              </a:spcBef>
+              <a:spcAft>
+                <a:spcPts val="0"/>
+              </a:spcAft>
+              <a:buNone/>
+            </a:pPr>
+            <a:r>
+              <a:rPr lang="en-US"/>
+              <a:t>                                                                                     </a:t>
+            </a:r>
+            <a:endParaRPr/>
+          </a:p>
+        </p:txBody>
+      </p:sp>
+      <p:sp>
+        <p:nvSpPr>
+          <p:cNvPr id="161" name="Shape 161"/>
+          <p:cNvSpPr/>
+          <p:nvPr/>
+        </p:nvSpPr>
+        <p:spPr>
+          <a:xfrm rot="10800000" flipH="1">
+            <a:off x="3067050" y="1127850"/>
+            <a:ext cx="3143100" cy="42300"/>
+          </a:xfrm>
+          <a:prstGeom prst="rect">
+            <a:avLst/>
+          </a:prstGeom>
+          <a:solidFill>
+            <a:srgbClr val="262626"/>
+          </a:solidFill>
+          <a:ln>
+            <a:noFill/>
+          </a:ln>
+        </p:spPr>
+        <p:txBody>
+          <a:bodyPr spcFirstLastPara="1" wrap="square" lIns="91425" tIns="91425" rIns="91425" bIns="91425" anchor="ctr" anchorCtr="0">
+            <a:noAutofit/>
+          </a:bodyPr>
+          <a:lstStyle/>
+          <a:p>
+            <a:pPr marL="0" lvl="0" indent="0">
+              <a:spcBef>
+                <a:spcPts val="0"/>
+              </a:spcBef>
+              <a:spcAft>
+                <a:spcPts val="0"/>
+              </a:spcAft>
+              <a:buNone/>
+            </a:pPr>
+            <a:endParaRPr/>
+          </a:p>
+        </p:txBody>
+      </p:sp>
+      <p:pic>
+        <p:nvPicPr>
+          <p:cNvPr id="162" name="Shape 162"/>
+          <p:cNvPicPr preferRelativeResize="0"/>
+          <p:nvPr/>
+        </p:nvPicPr>
+        <p:blipFill>
+          <a:blip r:embed="rId3">
+            <a:alphaModFix/>
+          </a:blip>
+          <a:stretch>
+            <a:fillRect/>
+          </a:stretch>
+        </p:blipFill>
+        <p:spPr>
+          <a:xfrm>
+            <a:off x="353700" y="302000"/>
+            <a:ext cx="1741800" cy="502875"/>
+          </a:xfrm>
+          <a:prstGeom prst="rect">
+            <a:avLst/>
+          </a:prstGeom>
+          <a:noFill/>
+          <a:ln>
+            <a:noFill/>
+          </a:ln>
+        </p:spPr>
+      </p:pic>
+      <p:sp>
+        <p:nvSpPr>
+          <p:cNvPr id="163" name="Shape 163"/>
+          <p:cNvSpPr txBox="1"/>
+          <p:nvPr/>
+        </p:nvSpPr>
+        <p:spPr>
+          <a:xfrm>
+            <a:off x="481350" y="2791776"/>
+            <a:ext cx="8181300" cy="3705122"/>
+          </a:xfrm>
+          <a:prstGeom prst="rect">
+            <a:avLst/>
+          </a:prstGeom>
+          <a:noFill/>
+          <a:ln>
+            <a:noFill/>
+          </a:ln>
+        </p:spPr>
+        <p:txBody>
+          <a:bodyPr spcFirstLastPara="1" wrap="square" lIns="91425" tIns="45700" rIns="91425" bIns="45700" anchor="ctr" anchorCtr="0">
+            <a:noAutofit/>
+          </a:bodyPr>
+          <a:lstStyle/>
+          <a:p>
+            <a:pPr lvl="0" indent="-12700">
+              <a:spcAft>
+                <a:spcPts val="1800"/>
+              </a:spcAft>
+              <a:buSzPts val="2000"/>
+              <a:buFont typeface="Noto Sans Symbols"/>
+              <a:buChar char="▪"/>
+            </a:pPr>
+            <a:r>
+              <a:rPr lang="ru-RU" sz="2000" b="0" i="0" u="none" strike="noStrike" cap="none" dirty="0">
+                <a:solidFill>
+                  <a:srgbClr val="424C53"/>
+                </a:solidFill>
+                <a:latin typeface="Calibri"/>
+                <a:ea typeface="Calibri"/>
+                <a:cs typeface="Calibri"/>
+                <a:sym typeface="Calibri"/>
+              </a:rPr>
+              <a:t>  </a:t>
+            </a:r>
+            <a:r>
+              <a:rPr lang="ru-RU" sz="2000" dirty="0">
+                <a:latin typeface="Roboto"/>
+                <a:ea typeface="Roboto"/>
+                <a:cs typeface="Roboto"/>
+                <a:sym typeface="Roboto"/>
+              </a:rPr>
+              <a:t>Анонимные типы позволяют создать объект с некоторым набором свойств без определения класса. </a:t>
+            </a:r>
+          </a:p>
+          <a:p>
+            <a:pPr lvl="0" indent="-12700">
+              <a:spcAft>
+                <a:spcPts val="1800"/>
+              </a:spcAft>
+              <a:buSzPts val="2000"/>
+              <a:buFont typeface="Noto Sans Symbols"/>
+              <a:buChar char="▪"/>
+            </a:pPr>
+            <a:r>
+              <a:rPr lang="ru-RU" sz="2000" dirty="0">
+                <a:latin typeface="Roboto"/>
+                <a:ea typeface="Roboto"/>
+                <a:cs typeface="Roboto"/>
+                <a:sym typeface="Roboto"/>
+              </a:rPr>
+              <a:t>  Анонимный тип определяется с помощью ключевого слова var и инициализатора объектов.</a:t>
+            </a:r>
+          </a:p>
+          <a:p>
+            <a:pPr lvl="0" indent="-12700">
+              <a:spcAft>
+                <a:spcPts val="1800"/>
+              </a:spcAft>
+              <a:buSzPts val="2000"/>
+              <a:buFont typeface="Noto Sans Symbols"/>
+              <a:buChar char="▪"/>
+            </a:pPr>
+            <a:r>
+              <a:rPr lang="ru-RU" sz="2000" dirty="0">
+                <a:latin typeface="Roboto"/>
+                <a:ea typeface="Roboto"/>
+                <a:cs typeface="Roboto"/>
+                <a:sym typeface="Roboto"/>
+              </a:rPr>
+              <a:t>  Свойства анонимного объекта доступны для установки только в инициализаторе</a:t>
+            </a:r>
+          </a:p>
+        </p:txBody>
+      </p:sp>
+    </p:spTree>
+    <p:extLst>
+      <p:ext uri="{BB962C8B-B14F-4D97-AF65-F5344CB8AC3E}">
+        <p14:creationId xmlns:p14="http://schemas.microsoft.com/office/powerpoint/2010/main" val="1899874152"/>
+      </p:ext>
+    </p:extLst>
+  </p:cSld>
+  <p:clrMapOvr>
+    <a:masterClrMapping/>
+  </p:clrMapOvr>
+  <p:transition>
+    <p:fade/>
+  </p:transition>
+</p:sld>
+</file>
+
 <file path=ppt/slides/slide2.xml><?xml version="1.0" encoding="utf-8"?>
 <p:sld xmlns:a="http://schemas.openxmlformats.org/drawingml/2006/main" xmlns:r="http://schemas.openxmlformats.org/officeDocument/2006/relationships" xmlns:p="http://schemas.openxmlformats.org/presentationml/2006/main">
   <p:cSld>
@@ -21862,7 +22827,7 @@
               <a:buChar char="▪"/>
             </a:pPr>
             <a:r>
-              <a:rPr lang="ru-RU" sz="2000" b="0" i="0" u="none" strike="noStrike" cap="none" dirty="0">
+              <a:rPr lang="ru-RU" sz="2000" i="0" u="none" strike="noStrike" cap="none" dirty="0">
                 <a:latin typeface="Calibri"/>
                 <a:ea typeface="Calibri"/>
                 <a:cs typeface="Calibri"/>
@@ -22337,7 +23302,7 @@
           <a:p>
             <a:pPr lvl="0" indent="-12700">
               <a:spcAft>
-                <a:spcPts val="1200"/>
+                <a:spcPts val="1800"/>
               </a:spcAft>
               <a:buSzPts val="2000"/>
               <a:buFont typeface="Noto Sans Symbols"/>
@@ -22371,7 +23336,7 @@
                 <a:spcPts val="360"/>
               </a:spcBef>
               <a:spcAft>
-                <a:spcPts val="1200"/>
+                <a:spcPts val="1800"/>
               </a:spcAft>
               <a:buSzPts val="2000"/>
               <a:buFont typeface="Noto Sans Symbols"/>
@@ -22402,7 +23367,7 @@
                 <a:spcPts val="360"/>
               </a:spcBef>
               <a:spcAft>
-                <a:spcPts val="1200"/>
+                <a:spcPts val="1800"/>
               </a:spcAft>
               <a:buSzPts val="2000"/>
               <a:buFont typeface="Noto Sans Symbols"/>
@@ -22425,37 +23390,6 @@
                 <a:sym typeface="Roboto"/>
               </a:rPr>
               <a:t>Каждый элемент в списке является объектом, имеющим член Key и список элементов, сгруппированных по этому ключу.</a:t>
-            </a:r>
-          </a:p>
-          <a:p>
-            <a:pPr lvl="0" indent="-12700">
-              <a:spcBef>
-                <a:spcPts val="360"/>
-              </a:spcBef>
-              <a:spcAft>
-                <a:spcPts val="1200"/>
-              </a:spcAft>
-              <a:buSzPts val="2000"/>
-              <a:buFont typeface="Noto Sans Symbols"/>
-              <a:buChar char="▪"/>
-            </a:pPr>
-            <a:r>
-              <a:rPr lang="en-US" sz="2000" dirty="0">
-                <a:latin typeface="Roboto"/>
-                <a:ea typeface="Roboto"/>
-                <a:cs typeface="Roboto"/>
-                <a:sym typeface="Roboto"/>
-              </a:rPr>
-              <a:t>  </a:t>
-            </a:r>
-            <a:r>
-              <a:rPr lang="ru-RU" sz="2000" dirty="0">
-                <a:latin typeface="Roboto"/>
-                <a:ea typeface="Roboto"/>
-                <a:cs typeface="Roboto"/>
-                <a:sym typeface="Roboto"/>
-              </a:rPr>
-              <a:t>При итерации запроса, создающего последовательность групп, необходимо использовать вложенный цикл foreach. Внешний цикл выполняет итерацию каждой группы, а внутренний цикл — итерацию членов каждой группы.</a:t>
             </a:r>
           </a:p>
         </p:txBody>

--- a/5.LINQ/LINQ.pptx
+++ b/5.LINQ/LINQ.pptx
@@ -5,7 +5,7 @@
     <p:sldMasterId id="2147483661" r:id="rId1"/>
   </p:sldMasterIdLst>
   <p:notesMasterIdLst>
-    <p:notesMasterId r:id="rId12"/>
+    <p:notesMasterId r:id="rId13"/>
   </p:notesMasterIdLst>
   <p:sldIdLst>
     <p:sldId id="256" r:id="rId2"/>
@@ -18,23 +18,24 @@
     <p:sldId id="273" r:id="rId9"/>
     <p:sldId id="274" r:id="rId10"/>
     <p:sldId id="276" r:id="rId11"/>
+    <p:sldId id="277" r:id="rId12"/>
   </p:sldIdLst>
   <p:sldSz cx="9144000" cy="6858000" type="screen4x3"/>
   <p:notesSz cx="6858000" cy="9144000"/>
   <p:embeddedFontLst>
     <p:embeddedFont>
       <p:font typeface="Calibri" panose="020F0502020204030204" pitchFamily="34" charset="0"/>
-      <p:regular r:id="rId13"/>
-      <p:bold r:id="rId14"/>
-      <p:italic r:id="rId15"/>
-      <p:boldItalic r:id="rId16"/>
+      <p:regular r:id="rId14"/>
+      <p:bold r:id="rId15"/>
+      <p:italic r:id="rId16"/>
+      <p:boldItalic r:id="rId17"/>
     </p:embeddedFont>
     <p:embeddedFont>
       <p:font typeface="Roboto" panose="020B0604020202020204" charset="0"/>
-      <p:regular r:id="rId17"/>
-      <p:bold r:id="rId18"/>
-      <p:italic r:id="rId19"/>
-      <p:boldItalic r:id="rId20"/>
+      <p:regular r:id="rId18"/>
+      <p:bold r:id="rId19"/>
+      <p:italic r:id="rId20"/>
+      <p:boldItalic r:id="rId21"/>
     </p:embeddedFont>
   </p:embeddedFontLst>
   <p:defaultTextStyle>
@@ -1791,6 +1792,431 @@
     <p:extLst>
       <p:ext uri="{BB962C8B-B14F-4D97-AF65-F5344CB8AC3E}">
         <p14:creationId xmlns:p14="http://schemas.microsoft.com/office/powerpoint/2010/main" val="3591879542"/>
+      </p:ext>
+    </p:extLst>
+  </p:cSld>
+  <p:clrMapOvr>
+    <a:masterClrMapping/>
+  </p:clrMapOvr>
+</p:notes>
+</file>
+
+<file path=ppt/notesSlides/notesSlide11.xml><?xml version="1.0" encoding="utf-8"?>
+<p:notes xmlns:a="http://schemas.openxmlformats.org/drawingml/2006/main" xmlns:r="http://schemas.openxmlformats.org/officeDocument/2006/relationships" xmlns:p="http://schemas.openxmlformats.org/presentationml/2006/main" showMasterSp="0" showMasterPhAnim="0">
+  <p:cSld>
+    <p:spTree>
+      <p:nvGrpSpPr>
+        <p:cNvPr id="1" name="Shape 152"/>
+        <p:cNvGrpSpPr/>
+        <p:nvPr/>
+      </p:nvGrpSpPr>
+      <p:grpSpPr>
+        <a:xfrm>
+          <a:off x="0" y="0"/>
+          <a:ext cx="0" cy="0"/>
+          <a:chOff x="0" y="0"/>
+          <a:chExt cx="0" cy="0"/>
+        </a:xfrm>
+      </p:grpSpPr>
+      <p:sp>
+        <p:nvSpPr>
+          <p:cNvPr id="153" name="Shape 153"/>
+          <p:cNvSpPr>
+            <a:spLocks noGrp="1" noRot="1" noChangeAspect="1"/>
+          </p:cNvSpPr>
+          <p:nvPr>
+            <p:ph type="sldImg" idx="2"/>
+          </p:nvPr>
+        </p:nvSpPr>
+        <p:spPr>
+          <a:xfrm>
+            <a:off x="1143000" y="685800"/>
+            <a:ext cx="4572000" cy="3429000"/>
+          </a:xfrm>
+          <a:custGeom>
+            <a:avLst/>
+            <a:gdLst/>
+            <a:ahLst/>
+            <a:cxnLst/>
+            <a:rect l="0" t="0" r="0" b="0"/>
+            <a:pathLst>
+              <a:path w="120000" h="120000" extrusionOk="0">
+                <a:moveTo>
+                  <a:pt x="0" y="0"/>
+                </a:moveTo>
+                <a:lnTo>
+                  <a:pt x="120000" y="0"/>
+                </a:lnTo>
+                <a:lnTo>
+                  <a:pt x="120000" y="120000"/>
+                </a:lnTo>
+                <a:lnTo>
+                  <a:pt x="0" y="120000"/>
+                </a:lnTo>
+                <a:close/>
+              </a:path>
+            </a:pathLst>
+          </a:custGeom>
+          <a:noFill/>
+          <a:ln w="9525" cap="flat" cmpd="sng">
+            <a:solidFill>
+              <a:srgbClr val="000000"/>
+            </a:solidFill>
+            <a:prstDash val="solid"/>
+            <a:miter lim="800000"/>
+            <a:headEnd type="none" w="med" len="med"/>
+            <a:tailEnd type="none" w="med" len="med"/>
+          </a:ln>
+        </p:spPr>
+      </p:sp>
+      <p:sp>
+        <p:nvSpPr>
+          <p:cNvPr id="154" name="Shape 154"/>
+          <p:cNvSpPr txBox="1">
+            <a:spLocks noGrp="1"/>
+          </p:cNvSpPr>
+          <p:nvPr>
+            <p:ph type="body" idx="1"/>
+          </p:nvPr>
+        </p:nvSpPr>
+        <p:spPr>
+          <a:xfrm>
+            <a:off x="685800" y="4343400"/>
+            <a:ext cx="5486400" cy="4114800"/>
+          </a:xfrm>
+          <a:prstGeom prst="rect">
+            <a:avLst/>
+          </a:prstGeom>
+          <a:noFill/>
+          <a:ln>
+            <a:noFill/>
+          </a:ln>
+        </p:spPr>
+        <p:txBody>
+          <a:bodyPr spcFirstLastPara="1" wrap="square" lIns="91425" tIns="45700" rIns="91425" bIns="45700" anchor="t" anchorCtr="0">
+            <a:noAutofit/>
+          </a:bodyPr>
+          <a:lstStyle/>
+          <a:p>
+            <a:pPr marL="0" marR="0" lvl="0" indent="0" algn="l" defTabSz="914400" rtl="0" eaLnBrk="1" fontAlgn="auto" latinLnBrk="0" hangingPunct="1">
+              <a:lnSpc>
+                <a:spcPct val="100000"/>
+              </a:lnSpc>
+              <a:spcBef>
+                <a:spcPts val="0"/>
+              </a:spcBef>
+              <a:spcAft>
+                <a:spcPts val="0"/>
+              </a:spcAft>
+              <a:buClrTx/>
+              <a:buSzPts val="1400"/>
+              <a:buFontTx/>
+              <a:buNone/>
+              <a:tabLst/>
+              <a:defRPr/>
+            </a:pPr>
+            <a:r>
+              <a:rPr lang="ru-RU" sz="1200" b="0" i="0" u="none" strike="noStrike" cap="none" dirty="0">
+                <a:solidFill>
+                  <a:schemeClr val="dk1"/>
+                </a:solidFill>
+                <a:latin typeface="Calibri"/>
+                <a:ea typeface="Calibri"/>
+                <a:cs typeface="Calibri"/>
+                <a:sym typeface="Calibri"/>
+              </a:rPr>
+              <a:t>Смотрим пример </a:t>
+            </a:r>
+            <a:r>
+              <a:rPr lang="en-US" sz="1200" b="0" i="0" u="none" strike="noStrike" cap="none" dirty="0" err="1">
+                <a:solidFill>
+                  <a:schemeClr val="dk1"/>
+                </a:solidFill>
+                <a:latin typeface="Calibri"/>
+                <a:ea typeface="Calibri"/>
+                <a:cs typeface="Calibri"/>
+                <a:sym typeface="Calibri"/>
+              </a:rPr>
+              <a:t>DynamicTypes</a:t>
+            </a:r>
+            <a:endParaRPr lang="en-US" sz="1200" b="0" i="0" u="none" strike="noStrike" kern="1200" cap="none" dirty="0">
+              <a:solidFill>
+                <a:schemeClr val="dk1"/>
+              </a:solidFill>
+              <a:latin typeface="Calibri"/>
+              <a:ea typeface="Calibri"/>
+              <a:cs typeface="Calibri"/>
+              <a:sym typeface="Calibri"/>
+            </a:endParaRPr>
+          </a:p>
+          <a:p>
+            <a:pPr marL="0" marR="0" lvl="0" indent="0" algn="l" defTabSz="914400" rtl="0" eaLnBrk="1" fontAlgn="auto" latinLnBrk="0" hangingPunct="1">
+              <a:lnSpc>
+                <a:spcPct val="100000"/>
+              </a:lnSpc>
+              <a:spcBef>
+                <a:spcPts val="0"/>
+              </a:spcBef>
+              <a:spcAft>
+                <a:spcPts val="0"/>
+              </a:spcAft>
+              <a:buClrTx/>
+              <a:buSzPts val="1400"/>
+              <a:buFontTx/>
+              <a:buNone/>
+              <a:tabLst/>
+              <a:defRPr/>
+            </a:pPr>
+            <a:endParaRPr lang="en-US" sz="1200" b="0" i="0" u="none" strike="noStrike" kern="1200" cap="none" dirty="0">
+              <a:solidFill>
+                <a:schemeClr val="dk1"/>
+              </a:solidFill>
+              <a:latin typeface="Calibri"/>
+              <a:ea typeface="Calibri"/>
+              <a:cs typeface="Calibri"/>
+              <a:sym typeface="Calibri"/>
+            </a:endParaRPr>
+          </a:p>
+          <a:p>
+            <a:pPr marL="0" marR="0" lvl="0" indent="0" algn="l" defTabSz="914400" rtl="0" eaLnBrk="1" fontAlgn="auto" latinLnBrk="0" hangingPunct="1">
+              <a:lnSpc>
+                <a:spcPct val="100000"/>
+              </a:lnSpc>
+              <a:spcBef>
+                <a:spcPts val="0"/>
+              </a:spcBef>
+              <a:spcAft>
+                <a:spcPts val="0"/>
+              </a:spcAft>
+              <a:buClrTx/>
+              <a:buSzPts val="1400"/>
+              <a:buFontTx/>
+              <a:buNone/>
+              <a:tabLst/>
+              <a:defRPr/>
+            </a:pPr>
+            <a:r>
+              <a:rPr lang="ru-RU" sz="1200" b="0" i="0" u="none" strike="noStrike" kern="1200" cap="none" dirty="0">
+                <a:solidFill>
+                  <a:schemeClr val="dk1"/>
+                </a:solidFill>
+                <a:latin typeface="Calibri"/>
+                <a:ea typeface="Calibri"/>
+                <a:cs typeface="Calibri"/>
+                <a:sym typeface="Calibri"/>
+              </a:rPr>
+              <a:t>Напишите метод с возвращаемым типом dynamic и который принимает строку,</a:t>
+            </a:r>
+            <a:r>
+              <a:rPr lang="en-US" sz="1200" b="0" i="0" u="none" strike="noStrike" kern="1200" cap="none" dirty="0">
+                <a:solidFill>
+                  <a:schemeClr val="dk1"/>
+                </a:solidFill>
+                <a:latin typeface="Calibri"/>
+                <a:ea typeface="Calibri"/>
+                <a:cs typeface="Calibri"/>
+                <a:sym typeface="Calibri"/>
+              </a:rPr>
+              <a:t> </a:t>
+            </a:r>
+            <a:r>
+              <a:rPr lang="ru-RU" sz="1200" b="0" i="0" u="none" strike="noStrike" kern="1200" cap="none" dirty="0">
+                <a:solidFill>
+                  <a:schemeClr val="dk1"/>
+                </a:solidFill>
+                <a:latin typeface="Calibri"/>
+                <a:ea typeface="Calibri"/>
+                <a:cs typeface="Calibri"/>
+                <a:sym typeface="Calibri"/>
+              </a:rPr>
+              <a:t>в зависимости от значения входящего параметра метод</a:t>
+            </a:r>
+            <a:r>
+              <a:rPr lang="en-US" sz="1200" b="0" i="0" u="none" strike="noStrike" kern="1200" cap="none" dirty="0">
+                <a:solidFill>
+                  <a:schemeClr val="dk1"/>
+                </a:solidFill>
+                <a:latin typeface="Calibri"/>
+                <a:ea typeface="Calibri"/>
+                <a:cs typeface="Calibri"/>
+                <a:sym typeface="Calibri"/>
+              </a:rPr>
+              <a:t> </a:t>
+            </a:r>
+            <a:r>
+              <a:rPr lang="ru-RU" sz="1200" b="0" i="0" u="none" strike="noStrike" kern="1200" cap="none" dirty="0">
+                <a:solidFill>
+                  <a:schemeClr val="dk1"/>
+                </a:solidFill>
+                <a:latin typeface="Calibri"/>
+                <a:ea typeface="Calibri"/>
+                <a:cs typeface="Calibri"/>
+                <a:sym typeface="Calibri"/>
+              </a:rPr>
+              <a:t>должен возвращаться разный тип,</a:t>
+            </a:r>
+            <a:r>
+              <a:rPr lang="en-US" sz="1200" b="0" i="0" u="none" strike="noStrike" kern="1200" cap="none" dirty="0">
+                <a:solidFill>
+                  <a:schemeClr val="dk1"/>
+                </a:solidFill>
+                <a:latin typeface="Calibri"/>
+                <a:ea typeface="Calibri"/>
+                <a:cs typeface="Calibri"/>
+                <a:sym typeface="Calibri"/>
+              </a:rPr>
+              <a:t> </a:t>
+            </a:r>
+            <a:r>
+              <a:rPr lang="ru-RU" sz="1200" b="0" i="0" u="none" strike="noStrike" kern="1200" cap="none" dirty="0">
+                <a:solidFill>
+                  <a:schemeClr val="dk1"/>
+                </a:solidFill>
+                <a:latin typeface="Calibri"/>
+                <a:ea typeface="Calibri"/>
+                <a:cs typeface="Calibri"/>
+                <a:sym typeface="Calibri"/>
+              </a:rPr>
+              <a:t>например "</a:t>
+            </a:r>
+            <a:r>
+              <a:rPr lang="en-US" sz="1200" b="0" i="0" u="none" strike="noStrike" kern="1200" cap="none" dirty="0">
+                <a:solidFill>
+                  <a:schemeClr val="dk1"/>
+                </a:solidFill>
+                <a:latin typeface="Calibri"/>
+                <a:ea typeface="Calibri"/>
+                <a:cs typeface="Calibri"/>
+                <a:sym typeface="Calibri"/>
+              </a:rPr>
+              <a:t>string" -&gt; </a:t>
+            </a:r>
+            <a:r>
+              <a:rPr lang="ru-RU" sz="1200" b="0" i="0" u="none" strike="noStrike" kern="1200" cap="none" dirty="0">
+                <a:solidFill>
+                  <a:schemeClr val="dk1"/>
+                </a:solidFill>
+                <a:latin typeface="Calibri"/>
+                <a:ea typeface="Calibri"/>
+                <a:cs typeface="Calibri"/>
+                <a:sym typeface="Calibri"/>
+              </a:rPr>
+              <a:t>строку, "</a:t>
+            </a:r>
+            <a:r>
+              <a:rPr lang="en-US" sz="1200" b="0" i="0" u="none" strike="noStrike" kern="1200" cap="none" dirty="0">
+                <a:solidFill>
+                  <a:schemeClr val="dk1"/>
+                </a:solidFill>
+                <a:latin typeface="Calibri"/>
+                <a:ea typeface="Calibri"/>
+                <a:cs typeface="Calibri"/>
+                <a:sym typeface="Calibri"/>
+              </a:rPr>
+              <a:t>int" -&gt; </a:t>
+            </a:r>
+            <a:r>
+              <a:rPr lang="ru-RU" sz="1200" b="0" i="0" u="none" strike="noStrike" kern="1200" cap="none" dirty="0">
+                <a:solidFill>
+                  <a:schemeClr val="dk1"/>
+                </a:solidFill>
+                <a:latin typeface="Calibri"/>
+                <a:ea typeface="Calibri"/>
+                <a:cs typeface="Calibri"/>
+                <a:sym typeface="Calibri"/>
+              </a:rPr>
+              <a:t>целое число, "</a:t>
+            </a:r>
+            <a:r>
+              <a:rPr lang="en-US" sz="1200" b="0" i="0" u="none" strike="noStrike" kern="1200" cap="none" dirty="0">
+                <a:solidFill>
+                  <a:schemeClr val="dk1"/>
+                </a:solidFill>
+                <a:latin typeface="Calibri"/>
+                <a:ea typeface="Calibri"/>
+                <a:cs typeface="Calibri"/>
+                <a:sym typeface="Calibri"/>
+              </a:rPr>
+              <a:t>Person" -&gt; new Person</a:t>
+            </a:r>
+            <a:endParaRPr lang="en-US" sz="1200" b="0" i="0" u="none" strike="noStrike" cap="none" dirty="0">
+              <a:solidFill>
+                <a:schemeClr val="dk1"/>
+              </a:solidFill>
+              <a:latin typeface="Calibri"/>
+              <a:ea typeface="Calibri"/>
+              <a:cs typeface="Calibri"/>
+              <a:sym typeface="Calibri"/>
+            </a:endParaRPr>
+          </a:p>
+        </p:txBody>
+      </p:sp>
+      <p:sp>
+        <p:nvSpPr>
+          <p:cNvPr id="155" name="Shape 155"/>
+          <p:cNvSpPr txBox="1">
+            <a:spLocks noGrp="1"/>
+          </p:cNvSpPr>
+          <p:nvPr>
+            <p:ph type="sldNum" idx="12"/>
+          </p:nvPr>
+        </p:nvSpPr>
+        <p:spPr>
+          <a:xfrm>
+            <a:off x="3884613" y="8685213"/>
+            <a:ext cx="2971800" cy="457200"/>
+          </a:xfrm>
+          <a:prstGeom prst="rect">
+            <a:avLst/>
+          </a:prstGeom>
+          <a:noFill/>
+          <a:ln>
+            <a:noFill/>
+          </a:ln>
+        </p:spPr>
+        <p:txBody>
+          <a:bodyPr spcFirstLastPara="1" wrap="square" lIns="91425" tIns="45700" rIns="91425" bIns="45700" anchor="b" anchorCtr="0">
+            <a:noAutofit/>
+          </a:bodyPr>
+          <a:lstStyle/>
+          <a:p>
+            <a:pPr marL="0" marR="0" lvl="0" indent="0" algn="r" rtl="0">
+              <a:spcBef>
+                <a:spcPts val="0"/>
+              </a:spcBef>
+              <a:spcAft>
+                <a:spcPts val="0"/>
+              </a:spcAft>
+              <a:buNone/>
+            </a:pPr>
+            <a:fld id="{00000000-1234-1234-1234-123412341234}" type="slidenum">
+              <a:rPr lang="en-US" sz="1200" b="0" i="0" u="none" strike="noStrike" cap="none">
+                <a:solidFill>
+                  <a:schemeClr val="dk1"/>
+                </a:solidFill>
+                <a:latin typeface="Calibri"/>
+                <a:ea typeface="Calibri"/>
+                <a:cs typeface="Calibri"/>
+                <a:sym typeface="Calibri"/>
+              </a:rPr>
+              <a:t>11</a:t>
+            </a:fld>
+            <a:endParaRPr sz="1200" b="0" i="0" u="none" strike="noStrike" cap="none">
+              <a:solidFill>
+                <a:schemeClr val="dk1"/>
+              </a:solidFill>
+              <a:latin typeface="Calibri"/>
+              <a:ea typeface="Calibri"/>
+              <a:cs typeface="Calibri"/>
+              <a:sym typeface="Calibri"/>
+            </a:endParaRPr>
+          </a:p>
+        </p:txBody>
+      </p:sp>
+    </p:spTree>
+    <p:extLst>
+      <p:ext uri="{BB962C8B-B14F-4D97-AF65-F5344CB8AC3E}">
+        <p14:creationId xmlns:p14="http://schemas.microsoft.com/office/powerpoint/2010/main" val="1614368271"/>
       </p:ext>
     </p:extLst>
   </p:cSld>
@@ -19220,6 +19646,386 @@
     <p:extLst>
       <p:ext uri="{BB962C8B-B14F-4D97-AF65-F5344CB8AC3E}">
         <p14:creationId xmlns:p14="http://schemas.microsoft.com/office/powerpoint/2010/main" val="1899874152"/>
+      </p:ext>
+    </p:extLst>
+  </p:cSld>
+  <p:clrMapOvr>
+    <a:masterClrMapping/>
+  </p:clrMapOvr>
+  <p:transition>
+    <p:fade/>
+  </p:transition>
+</p:sld>
+</file>
+
+<file path=ppt/slides/slide11.xml><?xml version="1.0" encoding="utf-8"?>
+<p:sld xmlns:a="http://schemas.openxmlformats.org/drawingml/2006/main" xmlns:r="http://schemas.openxmlformats.org/officeDocument/2006/relationships" xmlns:p="http://schemas.openxmlformats.org/presentationml/2006/main">
+  <p:cSld>
+    <p:spTree>
+      <p:nvGrpSpPr>
+        <p:cNvPr id="1" name="Shape 156"/>
+        <p:cNvGrpSpPr/>
+        <p:nvPr/>
+      </p:nvGrpSpPr>
+      <p:grpSpPr>
+        <a:xfrm>
+          <a:off x="0" y="0"/>
+          <a:ext cx="0" cy="0"/>
+          <a:chOff x="0" y="0"/>
+          <a:chExt cx="0" cy="0"/>
+        </a:xfrm>
+      </p:grpSpPr>
+      <p:sp>
+        <p:nvSpPr>
+          <p:cNvPr id="158" name="Shape 158"/>
+          <p:cNvSpPr txBox="1">
+            <a:spLocks noGrp="1"/>
+          </p:cNvSpPr>
+          <p:nvPr>
+            <p:ph type="title"/>
+          </p:nvPr>
+        </p:nvSpPr>
+        <p:spPr>
+          <a:xfrm>
+            <a:off x="457200" y="1554479"/>
+            <a:ext cx="8229600" cy="1143000"/>
+          </a:xfrm>
+          <a:prstGeom prst="rect">
+            <a:avLst/>
+          </a:prstGeom>
+          <a:noFill/>
+          <a:ln>
+            <a:noFill/>
+          </a:ln>
+        </p:spPr>
+        <p:txBody>
+          <a:bodyPr spcFirstLastPara="1" wrap="square" lIns="91425" tIns="45700" rIns="91425" bIns="45700" anchor="ctr" anchorCtr="0">
+            <a:noAutofit/>
+          </a:bodyPr>
+          <a:lstStyle/>
+          <a:p>
+            <a:pPr lvl="0" algn="l"/>
+            <a:r>
+              <a:rPr lang="ru-RU" sz="4100" b="1" dirty="0">
+                <a:solidFill>
+                  <a:srgbClr val="262626"/>
+                </a:solidFill>
+                <a:latin typeface="Roboto"/>
+                <a:ea typeface="Roboto"/>
+                <a:cs typeface="Roboto"/>
+                <a:sym typeface="Roboto"/>
+              </a:rPr>
+              <a:t>Динамические типы</a:t>
+            </a:r>
+            <a:endParaRPr lang="en-US" sz="4100" b="1" dirty="0">
+              <a:solidFill>
+                <a:srgbClr val="262626"/>
+              </a:solidFill>
+              <a:latin typeface="Roboto"/>
+              <a:ea typeface="Roboto"/>
+              <a:cs typeface="Roboto"/>
+              <a:sym typeface="Roboto"/>
+            </a:endParaRPr>
+          </a:p>
+        </p:txBody>
+      </p:sp>
+      <p:sp>
+        <p:nvSpPr>
+          <p:cNvPr id="159" name="Shape 159"/>
+          <p:cNvSpPr/>
+          <p:nvPr/>
+        </p:nvSpPr>
+        <p:spPr>
+          <a:xfrm>
+            <a:off x="7145316" y="408237"/>
+            <a:ext cx="1856100" cy="290400"/>
+          </a:xfrm>
+          <a:prstGeom prst="roundRect">
+            <a:avLst>
+              <a:gd name="adj" fmla="val 0"/>
+            </a:avLst>
+          </a:prstGeom>
+          <a:noFill/>
+          <a:ln>
+            <a:noFill/>
+          </a:ln>
+        </p:spPr>
+        <p:txBody>
+          <a:bodyPr spcFirstLastPara="1" wrap="square" lIns="91425" tIns="45700" rIns="91425" bIns="45700" anchor="ctr" anchorCtr="0">
+            <a:noAutofit/>
+          </a:bodyPr>
+          <a:lstStyle/>
+          <a:p>
+            <a:pPr marL="0" marR="0" lvl="0" indent="0" algn="ctr" rtl="0">
+              <a:spcBef>
+                <a:spcPts val="0"/>
+              </a:spcBef>
+              <a:spcAft>
+                <a:spcPts val="0"/>
+              </a:spcAft>
+              <a:buClr>
+                <a:schemeClr val="lt1"/>
+              </a:buClr>
+              <a:buSzPts val="1200"/>
+              <a:buFont typeface="Arial"/>
+              <a:buNone/>
+            </a:pPr>
+            <a:r>
+              <a:rPr lang="en-US" sz="1500" b="1" i="0" strike="noStrike" cap="none">
+                <a:solidFill>
+                  <a:srgbClr val="262626"/>
+                </a:solidFill>
+                <a:latin typeface="Roboto"/>
+                <a:ea typeface="Roboto"/>
+                <a:cs typeface="Roboto"/>
+                <a:sym typeface="Roboto"/>
+              </a:rPr>
+              <a:t>www.itea.ua</a:t>
+            </a:r>
+            <a:endParaRPr sz="1500" b="1" i="0" strike="noStrike" cap="none">
+              <a:solidFill>
+                <a:srgbClr val="262626"/>
+              </a:solidFill>
+              <a:latin typeface="Roboto"/>
+              <a:ea typeface="Roboto"/>
+              <a:cs typeface="Roboto"/>
+              <a:sym typeface="Roboto"/>
+            </a:endParaRPr>
+          </a:p>
+        </p:txBody>
+      </p:sp>
+      <p:sp>
+        <p:nvSpPr>
+          <p:cNvPr id="160" name="Shape 160"/>
+          <p:cNvSpPr/>
+          <p:nvPr/>
+        </p:nvSpPr>
+        <p:spPr>
+          <a:xfrm rot="10800000" flipH="1">
+            <a:off x="0" y="1127850"/>
+            <a:ext cx="3143100" cy="42300"/>
+          </a:xfrm>
+          <a:prstGeom prst="rect">
+            <a:avLst/>
+          </a:prstGeom>
+          <a:solidFill>
+            <a:srgbClr val="CC0000"/>
+          </a:solidFill>
+          <a:ln>
+            <a:noFill/>
+          </a:ln>
+        </p:spPr>
+        <p:txBody>
+          <a:bodyPr spcFirstLastPara="1" wrap="square" lIns="91425" tIns="91425" rIns="91425" bIns="91425" anchor="ctr" anchorCtr="0">
+            <a:noAutofit/>
+          </a:bodyPr>
+          <a:lstStyle/>
+          <a:p>
+            <a:pPr marL="0" lvl="0" indent="0">
+              <a:spcBef>
+                <a:spcPts val="0"/>
+              </a:spcBef>
+              <a:spcAft>
+                <a:spcPts val="0"/>
+              </a:spcAft>
+              <a:buNone/>
+            </a:pPr>
+            <a:r>
+              <a:rPr lang="en-US"/>
+              <a:t>                                                                                     </a:t>
+            </a:r>
+            <a:endParaRPr/>
+          </a:p>
+        </p:txBody>
+      </p:sp>
+      <p:sp>
+        <p:nvSpPr>
+          <p:cNvPr id="161" name="Shape 161"/>
+          <p:cNvSpPr/>
+          <p:nvPr/>
+        </p:nvSpPr>
+        <p:spPr>
+          <a:xfrm rot="10800000" flipH="1">
+            <a:off x="3067050" y="1127850"/>
+            <a:ext cx="3143100" cy="42300"/>
+          </a:xfrm>
+          <a:prstGeom prst="rect">
+            <a:avLst/>
+          </a:prstGeom>
+          <a:solidFill>
+            <a:srgbClr val="262626"/>
+          </a:solidFill>
+          <a:ln>
+            <a:noFill/>
+          </a:ln>
+        </p:spPr>
+        <p:txBody>
+          <a:bodyPr spcFirstLastPara="1" wrap="square" lIns="91425" tIns="91425" rIns="91425" bIns="91425" anchor="ctr" anchorCtr="0">
+            <a:noAutofit/>
+          </a:bodyPr>
+          <a:lstStyle/>
+          <a:p>
+            <a:pPr marL="0" lvl="0" indent="0">
+              <a:spcBef>
+                <a:spcPts val="0"/>
+              </a:spcBef>
+              <a:spcAft>
+                <a:spcPts val="0"/>
+              </a:spcAft>
+              <a:buNone/>
+            </a:pPr>
+            <a:endParaRPr/>
+          </a:p>
+        </p:txBody>
+      </p:sp>
+      <p:pic>
+        <p:nvPicPr>
+          <p:cNvPr id="162" name="Shape 162"/>
+          <p:cNvPicPr preferRelativeResize="0"/>
+          <p:nvPr/>
+        </p:nvPicPr>
+        <p:blipFill>
+          <a:blip r:embed="rId3">
+            <a:alphaModFix/>
+          </a:blip>
+          <a:stretch>
+            <a:fillRect/>
+          </a:stretch>
+        </p:blipFill>
+        <p:spPr>
+          <a:xfrm>
+            <a:off x="353700" y="302000"/>
+            <a:ext cx="1741800" cy="502875"/>
+          </a:xfrm>
+          <a:prstGeom prst="rect">
+            <a:avLst/>
+          </a:prstGeom>
+          <a:noFill/>
+          <a:ln>
+            <a:noFill/>
+          </a:ln>
+        </p:spPr>
+      </p:pic>
+      <p:sp>
+        <p:nvSpPr>
+          <p:cNvPr id="163" name="Shape 163"/>
+          <p:cNvSpPr txBox="1"/>
+          <p:nvPr/>
+        </p:nvSpPr>
+        <p:spPr>
+          <a:xfrm>
+            <a:off x="481350" y="2791776"/>
+            <a:ext cx="8181300" cy="3705122"/>
+          </a:xfrm>
+          <a:prstGeom prst="rect">
+            <a:avLst/>
+          </a:prstGeom>
+          <a:noFill/>
+          <a:ln>
+            <a:noFill/>
+          </a:ln>
+        </p:spPr>
+        <p:txBody>
+          <a:bodyPr spcFirstLastPara="1" wrap="square" lIns="91425" tIns="45700" rIns="91425" bIns="45700" anchor="ctr" anchorCtr="0">
+            <a:noAutofit/>
+          </a:bodyPr>
+          <a:lstStyle/>
+          <a:p>
+            <a:pPr lvl="0" indent="-12700">
+              <a:spcAft>
+                <a:spcPts val="1800"/>
+              </a:spcAft>
+              <a:buSzPts val="2000"/>
+              <a:buFont typeface="Noto Sans Symbols"/>
+              <a:buChar char="▪"/>
+            </a:pPr>
+            <a:r>
+              <a:rPr lang="ru-RU" sz="2000" b="0" i="0" u="none" strike="noStrike" cap="none" dirty="0">
+                <a:solidFill>
+                  <a:srgbClr val="424C53"/>
+                </a:solidFill>
+                <a:latin typeface="Calibri"/>
+                <a:ea typeface="Calibri"/>
+                <a:cs typeface="Calibri"/>
+                <a:sym typeface="Calibri"/>
+              </a:rPr>
+              <a:t>  </a:t>
+            </a:r>
+            <a:r>
+              <a:rPr lang="ru-RU" sz="2000" dirty="0">
+                <a:latin typeface="Roboto"/>
+                <a:ea typeface="Roboto"/>
+                <a:cs typeface="Roboto"/>
+                <a:sym typeface="Roboto"/>
+              </a:rPr>
+              <a:t>Ключевым словом для использования динамического типа является </a:t>
+            </a:r>
+            <a:r>
+              <a:rPr lang="en-US" sz="2000" b="1" dirty="0">
+                <a:latin typeface="Roboto"/>
+                <a:ea typeface="Roboto"/>
+                <a:cs typeface="Roboto"/>
+                <a:sym typeface="Roboto"/>
+              </a:rPr>
+              <a:t>dynamic</a:t>
+            </a:r>
+            <a:endParaRPr lang="ru-RU" sz="2000" b="1" dirty="0">
+              <a:latin typeface="Roboto"/>
+              <a:ea typeface="Roboto"/>
+              <a:cs typeface="Roboto"/>
+              <a:sym typeface="Roboto"/>
+            </a:endParaRPr>
+          </a:p>
+          <a:p>
+            <a:pPr lvl="0" indent="-12700">
+              <a:spcAft>
+                <a:spcPts val="1800"/>
+              </a:spcAft>
+              <a:buSzPts val="2000"/>
+              <a:buFont typeface="Noto Sans Symbols"/>
+              <a:buChar char="▪"/>
+            </a:pPr>
+            <a:r>
+              <a:rPr lang="ru-RU" sz="2000" dirty="0">
+                <a:latin typeface="Roboto"/>
+                <a:ea typeface="Roboto"/>
+                <a:cs typeface="Roboto"/>
+                <a:sym typeface="Roboto"/>
+              </a:rPr>
+              <a:t>  Приенение динамического типа позволяет упустить проверку типов во время компиляции.  </a:t>
+            </a:r>
+            <a:endParaRPr lang="en-US" sz="2000" dirty="0">
+              <a:latin typeface="Roboto"/>
+              <a:ea typeface="Roboto"/>
+              <a:cs typeface="Roboto"/>
+              <a:sym typeface="Roboto"/>
+            </a:endParaRPr>
+          </a:p>
+          <a:p>
+            <a:pPr lvl="0" indent="-12700">
+              <a:spcAft>
+                <a:spcPts val="1800"/>
+              </a:spcAft>
+              <a:buSzPts val="2000"/>
+              <a:buFont typeface="Noto Sans Symbols"/>
+              <a:buChar char="▪"/>
+            </a:pPr>
+            <a:r>
+              <a:rPr lang="ru-RU" sz="2000" dirty="0">
+                <a:latin typeface="Roboto"/>
+                <a:ea typeface="Roboto"/>
+                <a:cs typeface="Roboto"/>
+                <a:sym typeface="Roboto"/>
+              </a:rPr>
+              <a:t>  Объекты, объявленные как dynamic, могут в течение работы программы менять свой тип. </a:t>
+            </a:r>
+          </a:p>
+        </p:txBody>
+      </p:sp>
+    </p:spTree>
+    <p:extLst>
+      <p:ext uri="{BB962C8B-B14F-4D97-AF65-F5344CB8AC3E}">
+        <p14:creationId xmlns:p14="http://schemas.microsoft.com/office/powerpoint/2010/main" val="3910426430"/>
       </p:ext>
     </p:extLst>
   </p:cSld>

--- a/5.LINQ/LINQ.pptx
+++ b/5.LINQ/LINQ.pptx
@@ -19992,7 +19992,7 @@
                 <a:cs typeface="Roboto"/>
                 <a:sym typeface="Roboto"/>
               </a:rPr>
-              <a:t>  Приенение динамического типа позволяет упустить проверку типов во время компиляции.  </a:t>
+              <a:t>  Применение динамического типа позволяет упустить проверку типов во время компиляции.  </a:t>
             </a:r>
             <a:endParaRPr lang="en-US" sz="2000" dirty="0">
               <a:latin typeface="Roboto"/>
